--- a/images/icon_edit.pptx
+++ b/images/icon_edit.pptx
@@ -13,6 +13,15 @@
     <p:sldId id="262" r:id="rId7"/>
     <p:sldId id="263" r:id="rId8"/>
     <p:sldId id="261" r:id="rId9"/>
+    <p:sldId id="264" r:id="rId10"/>
+    <p:sldId id="265" r:id="rId11"/>
+    <p:sldId id="266" r:id="rId12"/>
+    <p:sldId id="267" r:id="rId13"/>
+    <p:sldId id="268" r:id="rId14"/>
+    <p:sldId id="269" r:id="rId15"/>
+    <p:sldId id="270" r:id="rId16"/>
+    <p:sldId id="272" r:id="rId17"/>
+    <p:sldId id="271" r:id="rId18"/>
   </p:sldIdLst>
   <p:sldSz cx="12192000" cy="6858000"/>
   <p:notesSz cx="6858000" cy="9144000"/>
@@ -3348,7 +3357,7 @@
         <p:grpSpPr>
           <a:xfrm>
             <a:off x="374889" y="2311400"/>
-            <a:ext cx="2463800" cy="2463800"/>
+            <a:ext cx="2001600" cy="2001600"/>
             <a:chOff x="4362295" y="1966675"/>
             <a:chExt cx="2463800" cy="2463800"/>
           </a:xfrm>
@@ -3455,9 +3464,9 @@
         <p:grpSpPr>
           <a:xfrm>
             <a:off x="3627438" y="2318600"/>
-            <a:ext cx="2570400" cy="2451600"/>
+            <a:ext cx="2001600" cy="2001600"/>
             <a:chOff x="8085138" y="2203450"/>
-            <a:chExt cx="2570400" cy="2451600"/>
+            <a:chExt cx="2001600" cy="2001600"/>
           </a:xfrm>
         </p:grpSpPr>
         <p:pic>
@@ -3470,7 +3479,7 @@
               </a:extLst>
             </p:cNvPr>
             <p:cNvPicPr>
-              <a:picLocks noChangeAspect="1"/>
+              <a:picLocks/>
             </p:cNvPicPr>
             <p:nvPr/>
           </p:nvPicPr>
@@ -3483,7 +3492,7 @@
           <p:spPr>
             <a:xfrm>
               <a:off x="8085138" y="2203450"/>
-              <a:ext cx="2565400" cy="2451100"/>
+              <a:ext cx="2001600" cy="2001600"/>
             </a:xfrm>
             <a:prstGeom prst="rect">
               <a:avLst/>
@@ -3507,7 +3516,7 @@
           <p:spPr>
             <a:xfrm>
               <a:off x="8085138" y="2203450"/>
-              <a:ext cx="2570400" cy="2451600"/>
+              <a:ext cx="2001600" cy="2001600"/>
             </a:xfrm>
             <a:prstGeom prst="rect">
               <a:avLst/>
@@ -3562,9 +3571,9 @@
         <p:grpSpPr>
           <a:xfrm>
             <a:off x="7102238" y="2253300"/>
-            <a:ext cx="2468800" cy="2516400"/>
+            <a:ext cx="2006600" cy="2001600"/>
             <a:chOff x="8559563" y="1028700"/>
-            <a:chExt cx="2468800" cy="2516400"/>
+            <a:chExt cx="2006600" cy="2001600"/>
           </a:xfrm>
         </p:grpSpPr>
         <p:pic>
@@ -3590,7 +3599,7 @@
           <p:spPr>
             <a:xfrm>
               <a:off x="8564563" y="1028700"/>
-              <a:ext cx="2463800" cy="2514600"/>
+              <a:ext cx="2001600" cy="2001600"/>
             </a:xfrm>
             <a:prstGeom prst="rect">
               <a:avLst/>
@@ -3606,20 +3615,266 @@
                 </a:ext>
               </a:extLst>
             </p:cNvPr>
-            <p:cNvSpPr/>
+            <p:cNvSpPr>
+              <a:spLocks noChangeAspect="1"/>
+            </p:cNvSpPr>
             <p:nvPr/>
           </p:nvSpPr>
           <p:spPr>
             <a:xfrm>
               <a:off x="8559563" y="1028700"/>
-              <a:ext cx="2458800" cy="2516400"/>
+              <a:ext cx="2001600" cy="2001600"/>
             </a:xfrm>
             <a:prstGeom prst="rect">
               <a:avLst/>
             </a:prstGeom>
             <a:solidFill>
-              <a:srgbClr val="43A2CA">
+              <a:srgbClr val="2C7FB8">
                 <a:alpha val="40000"/>
+              </a:srgbClr>
+            </a:solidFill>
+            <a:ln>
+              <a:noFill/>
+            </a:ln>
+          </p:spPr>
+          <p:style>
+            <a:lnRef idx="2">
+              <a:schemeClr val="accent1">
+                <a:shade val="50000"/>
+              </a:schemeClr>
+            </a:lnRef>
+            <a:fillRef idx="1">
+              <a:schemeClr val="accent1"/>
+            </a:fillRef>
+            <a:effectRef idx="0">
+              <a:schemeClr val="accent1"/>
+            </a:effectRef>
+            <a:fontRef idx="minor">
+              <a:schemeClr val="lt1"/>
+            </a:fontRef>
+          </p:style>
+          <p:txBody>
+            <a:bodyPr rtlCol="0" anchor="ctr"/>
+            <a:lstStyle/>
+            <a:p>
+              <a:pPr algn="ctr"/>
+              <a:endParaRPr lang="en-US" dirty="0"/>
+            </a:p>
+          </p:txBody>
+        </p:sp>
+      </p:grpSp>
+    </p:spTree>
+    <p:extLst>
+      <p:ext uri="{BB962C8B-B14F-4D97-AF65-F5344CB8AC3E}">
+        <p14:creationId xmlns:p14="http://schemas.microsoft.com/office/powerpoint/2010/main" val="1517044363"/>
+      </p:ext>
+    </p:extLst>
+  </p:cSld>
+  <p:clrMapOvr>
+    <a:masterClrMapping/>
+  </p:clrMapOvr>
+</p:sld>
+</file>
+
+<file path=ppt/slides/slide10.xml><?xml version="1.0" encoding="utf-8"?>
+<p:sld xmlns:a="http://schemas.openxmlformats.org/drawingml/2006/main" xmlns:r="http://schemas.openxmlformats.org/officeDocument/2006/relationships" xmlns:p="http://schemas.openxmlformats.org/presentationml/2006/main">
+  <p:cSld>
+    <p:spTree>
+      <p:nvGrpSpPr>
+        <p:cNvPr id="1" name=""/>
+        <p:cNvGrpSpPr/>
+        <p:nvPr/>
+      </p:nvGrpSpPr>
+      <p:grpSpPr>
+        <a:xfrm>
+          <a:off x="0" y="0"/>
+          <a:ext cx="0" cy="0"/>
+          <a:chOff x="0" y="0"/>
+          <a:chExt cx="0" cy="0"/>
+        </a:xfrm>
+      </p:grpSpPr>
+      <p:grpSp>
+        <p:nvGrpSpPr>
+          <p:cNvPr id="12" name="Group 11">
+            <a:extLst>
+              <a:ext uri="{FF2B5EF4-FFF2-40B4-BE49-F238E27FC236}">
+                <a16:creationId xmlns:a16="http://schemas.microsoft.com/office/drawing/2014/main" id="{F70C068C-0D28-439C-07D4-1F7D438A9DCB}"/>
+              </a:ext>
+            </a:extLst>
+          </p:cNvPr>
+          <p:cNvGrpSpPr/>
+          <p:nvPr/>
+        </p:nvGrpSpPr>
+        <p:grpSpPr>
+          <a:xfrm>
+            <a:off x="2578100" y="1587500"/>
+            <a:ext cx="2019763" cy="2006600"/>
+            <a:chOff x="2578100" y="1587500"/>
+            <a:chExt cx="2019763" cy="2006600"/>
+          </a:xfrm>
+        </p:grpSpPr>
+        <p:pic>
+          <p:nvPicPr>
+            <p:cNvPr id="6" name="Picture 5" descr="Icon&#10;&#10;Description automatically generated">
+              <a:extLst>
+                <a:ext uri="{FF2B5EF4-FFF2-40B4-BE49-F238E27FC236}">
+                  <a16:creationId xmlns:a16="http://schemas.microsoft.com/office/drawing/2014/main" id="{C04F04DA-579D-0B25-22FB-522DBC6CD02B}"/>
+                </a:ext>
+              </a:extLst>
+            </p:cNvPr>
+            <p:cNvPicPr>
+              <a:picLocks noChangeAspect="1"/>
+            </p:cNvPicPr>
+            <p:nvPr/>
+          </p:nvPicPr>
+          <p:blipFill>
+            <a:blip r:embed="rId2"/>
+            <a:stretch>
+              <a:fillRect/>
+            </a:stretch>
+          </p:blipFill>
+          <p:spPr>
+            <a:xfrm>
+              <a:off x="2578100" y="1587500"/>
+              <a:ext cx="2006600" cy="2006600"/>
+            </a:xfrm>
+            <a:prstGeom prst="rect">
+              <a:avLst/>
+            </a:prstGeom>
+          </p:spPr>
+        </p:pic>
+        <p:sp>
+          <p:nvSpPr>
+            <p:cNvPr id="8" name="Rectangle 7">
+              <a:extLst>
+                <a:ext uri="{FF2B5EF4-FFF2-40B4-BE49-F238E27FC236}">
+                  <a16:creationId xmlns:a16="http://schemas.microsoft.com/office/drawing/2014/main" id="{9E3AB790-AC97-CA5E-543E-D8A23386A506}"/>
+                </a:ext>
+              </a:extLst>
+            </p:cNvPr>
+            <p:cNvSpPr>
+              <a:spLocks noChangeAspect="1"/>
+            </p:cNvSpPr>
+            <p:nvPr/>
+          </p:nvSpPr>
+          <p:spPr>
+            <a:xfrm>
+              <a:off x="2578100" y="1592500"/>
+              <a:ext cx="2019763" cy="2001600"/>
+            </a:xfrm>
+            <a:prstGeom prst="rect">
+              <a:avLst/>
+            </a:prstGeom>
+            <a:solidFill>
+              <a:srgbClr val="0868AC">
+                <a:alpha val="24706"/>
+              </a:srgbClr>
+            </a:solidFill>
+            <a:ln>
+              <a:noFill/>
+            </a:ln>
+          </p:spPr>
+          <p:style>
+            <a:lnRef idx="2">
+              <a:schemeClr val="accent1">
+                <a:shade val="50000"/>
+              </a:schemeClr>
+            </a:lnRef>
+            <a:fillRef idx="1">
+              <a:schemeClr val="accent1"/>
+            </a:fillRef>
+            <a:effectRef idx="0">
+              <a:schemeClr val="accent1"/>
+            </a:effectRef>
+            <a:fontRef idx="minor">
+              <a:schemeClr val="lt1"/>
+            </a:fontRef>
+          </p:style>
+          <p:txBody>
+            <a:bodyPr rtlCol="0" anchor="ctr"/>
+            <a:lstStyle/>
+            <a:p>
+              <a:pPr algn="ctr"/>
+              <a:endParaRPr lang="en-US"/>
+            </a:p>
+          </p:txBody>
+        </p:sp>
+      </p:grpSp>
+      <p:grpSp>
+        <p:nvGrpSpPr>
+          <p:cNvPr id="11" name="Group 10">
+            <a:extLst>
+              <a:ext uri="{FF2B5EF4-FFF2-40B4-BE49-F238E27FC236}">
+                <a16:creationId xmlns:a16="http://schemas.microsoft.com/office/drawing/2014/main" id="{80F72FE3-96BD-82F6-8835-F3B571EE6F7E}"/>
+              </a:ext>
+            </a:extLst>
+          </p:cNvPr>
+          <p:cNvGrpSpPr/>
+          <p:nvPr/>
+        </p:nvGrpSpPr>
+        <p:grpSpPr>
+          <a:xfrm>
+            <a:off x="7502697" y="2082800"/>
+            <a:ext cx="2019763" cy="2006600"/>
+            <a:chOff x="7502697" y="2082800"/>
+            <a:chExt cx="2019763" cy="2006600"/>
+          </a:xfrm>
+        </p:grpSpPr>
+        <p:pic>
+          <p:nvPicPr>
+            <p:cNvPr id="3" name="Picture 2" descr="Icon&#10;&#10;Description automatically generated">
+              <a:extLst>
+                <a:ext uri="{FF2B5EF4-FFF2-40B4-BE49-F238E27FC236}">
+                  <a16:creationId xmlns:a16="http://schemas.microsoft.com/office/drawing/2014/main" id="{1852FDAD-2CB9-A2D3-69BB-D112B4A40FA6}"/>
+                </a:ext>
+              </a:extLst>
+            </p:cNvPr>
+            <p:cNvPicPr>
+              <a:picLocks noChangeAspect="1"/>
+            </p:cNvPicPr>
+            <p:nvPr/>
+          </p:nvPicPr>
+          <p:blipFill>
+            <a:blip r:embed="rId3"/>
+            <a:stretch>
+              <a:fillRect/>
+            </a:stretch>
+          </p:blipFill>
+          <p:spPr>
+            <a:xfrm>
+              <a:off x="7503160" y="2082800"/>
+              <a:ext cx="2019300" cy="2006600"/>
+            </a:xfrm>
+            <a:prstGeom prst="rect">
+              <a:avLst/>
+            </a:prstGeom>
+          </p:spPr>
+        </p:pic>
+        <p:sp>
+          <p:nvSpPr>
+            <p:cNvPr id="9" name="Rectangle 8">
+              <a:extLst>
+                <a:ext uri="{FF2B5EF4-FFF2-40B4-BE49-F238E27FC236}">
+                  <a16:creationId xmlns:a16="http://schemas.microsoft.com/office/drawing/2014/main" id="{A38D64D9-5535-2DC5-8F63-5A5290F6F8D6}"/>
+                </a:ext>
+              </a:extLst>
+            </p:cNvPr>
+            <p:cNvSpPr>
+              <a:spLocks noChangeAspect="1"/>
+            </p:cNvSpPr>
+            <p:nvPr/>
+          </p:nvSpPr>
+          <p:spPr>
+            <a:xfrm>
+              <a:off x="7502697" y="2082800"/>
+              <a:ext cx="2019763" cy="2001600"/>
+            </a:xfrm>
+            <a:prstGeom prst="rect">
+              <a:avLst/>
+            </a:prstGeom>
+            <a:solidFill>
+              <a:srgbClr val="006837">
+                <a:alpha val="24706"/>
               </a:srgbClr>
             </a:solidFill>
             <a:ln>
@@ -3655,7 +3910,1715 @@
     </p:spTree>
     <p:extLst>
       <p:ext uri="{BB962C8B-B14F-4D97-AF65-F5344CB8AC3E}">
-        <p14:creationId xmlns:p14="http://schemas.microsoft.com/office/powerpoint/2010/main" val="1517044363"/>
+        <p14:creationId xmlns:p14="http://schemas.microsoft.com/office/powerpoint/2010/main" val="737147464"/>
+      </p:ext>
+    </p:extLst>
+  </p:cSld>
+  <p:clrMapOvr>
+    <a:masterClrMapping/>
+  </p:clrMapOvr>
+</p:sld>
+</file>
+
+<file path=ppt/slides/slide11.xml><?xml version="1.0" encoding="utf-8"?>
+<p:sld xmlns:a="http://schemas.openxmlformats.org/drawingml/2006/main" xmlns:r="http://schemas.openxmlformats.org/officeDocument/2006/relationships" xmlns:p="http://schemas.openxmlformats.org/presentationml/2006/main">
+  <p:cSld>
+    <p:spTree>
+      <p:nvGrpSpPr>
+        <p:cNvPr id="1" name=""/>
+        <p:cNvGrpSpPr/>
+        <p:nvPr/>
+      </p:nvGrpSpPr>
+      <p:grpSpPr>
+        <a:xfrm>
+          <a:off x="0" y="0"/>
+          <a:ext cx="0" cy="0"/>
+          <a:chOff x="0" y="0"/>
+          <a:chExt cx="0" cy="0"/>
+        </a:xfrm>
+      </p:grpSpPr>
+      <p:grpSp>
+        <p:nvGrpSpPr>
+          <p:cNvPr id="9" name="Group 8">
+            <a:extLst>
+              <a:ext uri="{FF2B5EF4-FFF2-40B4-BE49-F238E27FC236}">
+                <a16:creationId xmlns:a16="http://schemas.microsoft.com/office/drawing/2014/main" id="{7F459ECF-0BF0-CB4C-4E3D-A4C033F1C08E}"/>
+              </a:ext>
+            </a:extLst>
+          </p:cNvPr>
+          <p:cNvGrpSpPr/>
+          <p:nvPr/>
+        </p:nvGrpSpPr>
+        <p:grpSpPr>
+          <a:xfrm>
+            <a:off x="1865631" y="3166110"/>
+            <a:ext cx="2019763" cy="2019300"/>
+            <a:chOff x="1865631" y="3166110"/>
+            <a:chExt cx="2019763" cy="2019300"/>
+          </a:xfrm>
+        </p:grpSpPr>
+        <p:pic>
+          <p:nvPicPr>
+            <p:cNvPr id="6" name="Picture 5" descr="A picture containing icon&#10;&#10;Description automatically generated">
+              <a:extLst>
+                <a:ext uri="{FF2B5EF4-FFF2-40B4-BE49-F238E27FC236}">
+                  <a16:creationId xmlns:a16="http://schemas.microsoft.com/office/drawing/2014/main" id="{42D3C8F3-02F1-D31B-08A9-D71B37BED13D}"/>
+                </a:ext>
+              </a:extLst>
+            </p:cNvPr>
+            <p:cNvPicPr>
+              <a:picLocks noChangeAspect="1"/>
+            </p:cNvPicPr>
+            <p:nvPr/>
+          </p:nvPicPr>
+          <p:blipFill>
+            <a:blip r:embed="rId2"/>
+            <a:stretch>
+              <a:fillRect/>
+            </a:stretch>
+          </p:blipFill>
+          <p:spPr>
+            <a:xfrm>
+              <a:off x="1865631" y="3166110"/>
+              <a:ext cx="2006600" cy="2019300"/>
+            </a:xfrm>
+            <a:prstGeom prst="rect">
+              <a:avLst/>
+            </a:prstGeom>
+          </p:spPr>
+        </p:pic>
+        <p:sp>
+          <p:nvSpPr>
+            <p:cNvPr id="8" name="Rectangle 7">
+              <a:extLst>
+                <a:ext uri="{FF2B5EF4-FFF2-40B4-BE49-F238E27FC236}">
+                  <a16:creationId xmlns:a16="http://schemas.microsoft.com/office/drawing/2014/main" id="{93B02448-A9B4-B389-354E-52BC2C207C22}"/>
+                </a:ext>
+              </a:extLst>
+            </p:cNvPr>
+            <p:cNvSpPr>
+              <a:spLocks noChangeAspect="1"/>
+            </p:cNvSpPr>
+            <p:nvPr/>
+          </p:nvSpPr>
+          <p:spPr>
+            <a:xfrm>
+              <a:off x="1865631" y="3183810"/>
+              <a:ext cx="2019763" cy="2001600"/>
+            </a:xfrm>
+            <a:prstGeom prst="rect">
+              <a:avLst/>
+            </a:prstGeom>
+            <a:solidFill>
+              <a:srgbClr val="0868AC">
+                <a:alpha val="24706"/>
+              </a:srgbClr>
+            </a:solidFill>
+            <a:ln>
+              <a:noFill/>
+            </a:ln>
+          </p:spPr>
+          <p:style>
+            <a:lnRef idx="2">
+              <a:schemeClr val="accent1">
+                <a:shade val="50000"/>
+              </a:schemeClr>
+            </a:lnRef>
+            <a:fillRef idx="1">
+              <a:schemeClr val="accent1"/>
+            </a:fillRef>
+            <a:effectRef idx="0">
+              <a:schemeClr val="accent1"/>
+            </a:effectRef>
+            <a:fontRef idx="minor">
+              <a:schemeClr val="lt1"/>
+            </a:fontRef>
+          </p:style>
+          <p:txBody>
+            <a:bodyPr rtlCol="0" anchor="ctr"/>
+            <a:lstStyle/>
+            <a:p>
+              <a:pPr algn="ctr"/>
+              <a:endParaRPr lang="en-US"/>
+            </a:p>
+          </p:txBody>
+        </p:sp>
+      </p:grpSp>
+      <p:grpSp>
+        <p:nvGrpSpPr>
+          <p:cNvPr id="11" name="Group 10">
+            <a:extLst>
+              <a:ext uri="{FF2B5EF4-FFF2-40B4-BE49-F238E27FC236}">
+                <a16:creationId xmlns:a16="http://schemas.microsoft.com/office/drawing/2014/main" id="{EF568614-EFB0-9B45-7365-2837E186BD46}"/>
+              </a:ext>
+            </a:extLst>
+          </p:cNvPr>
+          <p:cNvGrpSpPr/>
+          <p:nvPr/>
+        </p:nvGrpSpPr>
+        <p:grpSpPr>
+          <a:xfrm>
+            <a:off x="8306607" y="1384300"/>
+            <a:ext cx="2095963" cy="2084400"/>
+            <a:chOff x="8306607" y="1384300"/>
+            <a:chExt cx="2095963" cy="2084400"/>
+          </a:xfrm>
+        </p:grpSpPr>
+        <p:pic>
+          <p:nvPicPr>
+            <p:cNvPr id="3" name="Picture 2" descr="A picture containing icon&#10;&#10;Description automatically generated">
+              <a:extLst>
+                <a:ext uri="{FF2B5EF4-FFF2-40B4-BE49-F238E27FC236}">
+                  <a16:creationId xmlns:a16="http://schemas.microsoft.com/office/drawing/2014/main" id="{C900B8CB-5F09-761D-B894-371D9EEEE5B0}"/>
+                </a:ext>
+              </a:extLst>
+            </p:cNvPr>
+            <p:cNvPicPr>
+              <a:picLocks noChangeAspect="1"/>
+            </p:cNvPicPr>
+            <p:nvPr/>
+          </p:nvPicPr>
+          <p:blipFill>
+            <a:blip r:embed="rId3"/>
+            <a:stretch>
+              <a:fillRect/>
+            </a:stretch>
+          </p:blipFill>
+          <p:spPr>
+            <a:xfrm>
+              <a:off x="8319770" y="1384300"/>
+              <a:ext cx="2082800" cy="2082800"/>
+            </a:xfrm>
+            <a:prstGeom prst="rect">
+              <a:avLst/>
+            </a:prstGeom>
+          </p:spPr>
+        </p:pic>
+        <p:sp>
+          <p:nvSpPr>
+            <p:cNvPr id="10" name="Rectangle 9">
+              <a:extLst>
+                <a:ext uri="{FF2B5EF4-FFF2-40B4-BE49-F238E27FC236}">
+                  <a16:creationId xmlns:a16="http://schemas.microsoft.com/office/drawing/2014/main" id="{DD5DF958-3897-4194-C7D2-98E8B6A0FB98}"/>
+                </a:ext>
+              </a:extLst>
+            </p:cNvPr>
+            <p:cNvSpPr>
+              <a:spLocks noChangeAspect="1"/>
+            </p:cNvSpPr>
+            <p:nvPr/>
+          </p:nvSpPr>
+          <p:spPr>
+            <a:xfrm>
+              <a:off x="8306607" y="1384300"/>
+              <a:ext cx="2084400" cy="2084400"/>
+            </a:xfrm>
+            <a:prstGeom prst="rect">
+              <a:avLst/>
+            </a:prstGeom>
+            <a:solidFill>
+              <a:srgbClr val="006837">
+                <a:alpha val="24706"/>
+              </a:srgbClr>
+            </a:solidFill>
+            <a:ln>
+              <a:noFill/>
+            </a:ln>
+          </p:spPr>
+          <p:style>
+            <a:lnRef idx="2">
+              <a:schemeClr val="accent1">
+                <a:shade val="50000"/>
+              </a:schemeClr>
+            </a:lnRef>
+            <a:fillRef idx="1">
+              <a:schemeClr val="accent1"/>
+            </a:fillRef>
+            <a:effectRef idx="0">
+              <a:schemeClr val="accent1"/>
+            </a:effectRef>
+            <a:fontRef idx="minor">
+              <a:schemeClr val="lt1"/>
+            </a:fontRef>
+          </p:style>
+          <p:txBody>
+            <a:bodyPr rtlCol="0" anchor="ctr"/>
+            <a:lstStyle/>
+            <a:p>
+              <a:pPr algn="ctr"/>
+              <a:endParaRPr lang="en-US"/>
+            </a:p>
+          </p:txBody>
+        </p:sp>
+      </p:grpSp>
+    </p:spTree>
+    <p:extLst>
+      <p:ext uri="{BB962C8B-B14F-4D97-AF65-F5344CB8AC3E}">
+        <p14:creationId xmlns:p14="http://schemas.microsoft.com/office/powerpoint/2010/main" val="3422356481"/>
+      </p:ext>
+    </p:extLst>
+  </p:cSld>
+  <p:clrMapOvr>
+    <a:masterClrMapping/>
+  </p:clrMapOvr>
+</p:sld>
+</file>
+
+<file path=ppt/slides/slide12.xml><?xml version="1.0" encoding="utf-8"?>
+<p:sld xmlns:a="http://schemas.openxmlformats.org/drawingml/2006/main" xmlns:r="http://schemas.openxmlformats.org/officeDocument/2006/relationships" xmlns:p="http://schemas.openxmlformats.org/presentationml/2006/main">
+  <p:cSld>
+    <p:spTree>
+      <p:nvGrpSpPr>
+        <p:cNvPr id="1" name=""/>
+        <p:cNvGrpSpPr/>
+        <p:nvPr/>
+      </p:nvGrpSpPr>
+      <p:grpSpPr>
+        <a:xfrm>
+          <a:off x="0" y="0"/>
+          <a:ext cx="0" cy="0"/>
+          <a:chOff x="0" y="0"/>
+          <a:chExt cx="0" cy="0"/>
+        </a:xfrm>
+      </p:grpSpPr>
+      <p:grpSp>
+        <p:nvGrpSpPr>
+          <p:cNvPr id="9" name="Group 8">
+            <a:extLst>
+              <a:ext uri="{FF2B5EF4-FFF2-40B4-BE49-F238E27FC236}">
+                <a16:creationId xmlns:a16="http://schemas.microsoft.com/office/drawing/2014/main" id="{20FAB826-ED27-9973-357D-2939F9EE6211}"/>
+              </a:ext>
+            </a:extLst>
+          </p:cNvPr>
+          <p:cNvGrpSpPr/>
+          <p:nvPr/>
+        </p:nvGrpSpPr>
+        <p:grpSpPr>
+          <a:xfrm>
+            <a:off x="2273300" y="1611630"/>
+            <a:ext cx="2006600" cy="2019600"/>
+            <a:chOff x="2273300" y="1611630"/>
+            <a:chExt cx="2006600" cy="2019600"/>
+          </a:xfrm>
+        </p:grpSpPr>
+        <p:pic>
+          <p:nvPicPr>
+            <p:cNvPr id="6" name="Picture 5" descr="A picture containing icon&#10;&#10;Description automatically generated">
+              <a:extLst>
+                <a:ext uri="{FF2B5EF4-FFF2-40B4-BE49-F238E27FC236}">
+                  <a16:creationId xmlns:a16="http://schemas.microsoft.com/office/drawing/2014/main" id="{63867DF8-0E5C-9196-9DBC-CD191C70BB33}"/>
+                </a:ext>
+              </a:extLst>
+            </p:cNvPr>
+            <p:cNvPicPr>
+              <a:picLocks noChangeAspect="1"/>
+            </p:cNvPicPr>
+            <p:nvPr/>
+          </p:nvPicPr>
+          <p:blipFill>
+            <a:blip r:embed="rId2"/>
+            <a:stretch>
+              <a:fillRect/>
+            </a:stretch>
+          </p:blipFill>
+          <p:spPr>
+            <a:xfrm>
+              <a:off x="2273300" y="1611630"/>
+              <a:ext cx="2006600" cy="2019300"/>
+            </a:xfrm>
+            <a:prstGeom prst="rect">
+              <a:avLst/>
+            </a:prstGeom>
+          </p:spPr>
+        </p:pic>
+        <p:sp>
+          <p:nvSpPr>
+            <p:cNvPr id="8" name="Rectangle 7">
+              <a:extLst>
+                <a:ext uri="{FF2B5EF4-FFF2-40B4-BE49-F238E27FC236}">
+                  <a16:creationId xmlns:a16="http://schemas.microsoft.com/office/drawing/2014/main" id="{BC2CEB0E-BBE1-C506-D41F-DCA1A8DE2E2A}"/>
+                </a:ext>
+              </a:extLst>
+            </p:cNvPr>
+            <p:cNvSpPr>
+              <a:spLocks noChangeAspect="1"/>
+            </p:cNvSpPr>
+            <p:nvPr/>
+          </p:nvSpPr>
+          <p:spPr>
+            <a:xfrm>
+              <a:off x="2273300" y="1611630"/>
+              <a:ext cx="2001600" cy="2019600"/>
+            </a:xfrm>
+            <a:prstGeom prst="rect">
+              <a:avLst/>
+            </a:prstGeom>
+            <a:solidFill>
+              <a:srgbClr val="0868AC">
+                <a:alpha val="24706"/>
+              </a:srgbClr>
+            </a:solidFill>
+            <a:ln>
+              <a:noFill/>
+            </a:ln>
+          </p:spPr>
+          <p:style>
+            <a:lnRef idx="2">
+              <a:schemeClr val="accent1">
+                <a:shade val="50000"/>
+              </a:schemeClr>
+            </a:lnRef>
+            <a:fillRef idx="1">
+              <a:schemeClr val="accent1"/>
+            </a:fillRef>
+            <a:effectRef idx="0">
+              <a:schemeClr val="accent1"/>
+            </a:effectRef>
+            <a:fontRef idx="minor">
+              <a:schemeClr val="lt1"/>
+            </a:fontRef>
+          </p:style>
+          <p:txBody>
+            <a:bodyPr rtlCol="0" anchor="ctr"/>
+            <a:lstStyle/>
+            <a:p>
+              <a:pPr algn="ctr"/>
+              <a:endParaRPr lang="en-US"/>
+            </a:p>
+          </p:txBody>
+        </p:sp>
+      </p:grpSp>
+      <p:grpSp>
+        <p:nvGrpSpPr>
+          <p:cNvPr id="11" name="Group 10">
+            <a:extLst>
+              <a:ext uri="{FF2B5EF4-FFF2-40B4-BE49-F238E27FC236}">
+                <a16:creationId xmlns:a16="http://schemas.microsoft.com/office/drawing/2014/main" id="{C1FE13B1-48A2-8593-D3D6-A6CA7F683BD3}"/>
+              </a:ext>
+            </a:extLst>
+          </p:cNvPr>
+          <p:cNvGrpSpPr/>
+          <p:nvPr/>
+        </p:nvGrpSpPr>
+        <p:grpSpPr>
+          <a:xfrm>
+            <a:off x="7378700" y="2221230"/>
+            <a:ext cx="2006600" cy="2006600"/>
+            <a:chOff x="7378700" y="2221230"/>
+            <a:chExt cx="2006600" cy="2006600"/>
+          </a:xfrm>
+        </p:grpSpPr>
+        <p:pic>
+          <p:nvPicPr>
+            <p:cNvPr id="3" name="Picture 2">
+              <a:extLst>
+                <a:ext uri="{FF2B5EF4-FFF2-40B4-BE49-F238E27FC236}">
+                  <a16:creationId xmlns:a16="http://schemas.microsoft.com/office/drawing/2014/main" id="{3D833D01-C4BF-1A13-A0C6-ECAC98D66639}"/>
+                </a:ext>
+              </a:extLst>
+            </p:cNvPr>
+            <p:cNvPicPr>
+              <a:picLocks noChangeAspect="1"/>
+            </p:cNvPicPr>
+            <p:nvPr/>
+          </p:nvPicPr>
+          <p:blipFill>
+            <a:blip r:embed="rId3"/>
+            <a:stretch>
+              <a:fillRect/>
+            </a:stretch>
+          </p:blipFill>
+          <p:spPr>
+            <a:xfrm>
+              <a:off x="7378700" y="2221230"/>
+              <a:ext cx="2006600" cy="2006600"/>
+            </a:xfrm>
+            <a:prstGeom prst="rect">
+              <a:avLst/>
+            </a:prstGeom>
+          </p:spPr>
+        </p:pic>
+        <p:sp>
+          <p:nvSpPr>
+            <p:cNvPr id="10" name="Rectangle 9">
+              <a:extLst>
+                <a:ext uri="{FF2B5EF4-FFF2-40B4-BE49-F238E27FC236}">
+                  <a16:creationId xmlns:a16="http://schemas.microsoft.com/office/drawing/2014/main" id="{DF6666C2-018C-755A-60E1-E6392B3DEFFA}"/>
+                </a:ext>
+              </a:extLst>
+            </p:cNvPr>
+            <p:cNvSpPr>
+              <a:spLocks noChangeAspect="1"/>
+            </p:cNvSpPr>
+            <p:nvPr/>
+          </p:nvSpPr>
+          <p:spPr>
+            <a:xfrm>
+              <a:off x="7383700" y="2226230"/>
+              <a:ext cx="2001600" cy="2001600"/>
+            </a:xfrm>
+            <a:prstGeom prst="rect">
+              <a:avLst/>
+            </a:prstGeom>
+            <a:solidFill>
+              <a:srgbClr val="006837">
+                <a:alpha val="24706"/>
+              </a:srgbClr>
+            </a:solidFill>
+            <a:ln>
+              <a:noFill/>
+            </a:ln>
+          </p:spPr>
+          <p:style>
+            <a:lnRef idx="2">
+              <a:schemeClr val="accent1">
+                <a:shade val="50000"/>
+              </a:schemeClr>
+            </a:lnRef>
+            <a:fillRef idx="1">
+              <a:schemeClr val="accent1"/>
+            </a:fillRef>
+            <a:effectRef idx="0">
+              <a:schemeClr val="accent1"/>
+            </a:effectRef>
+            <a:fontRef idx="minor">
+              <a:schemeClr val="lt1"/>
+            </a:fontRef>
+          </p:style>
+          <p:txBody>
+            <a:bodyPr rtlCol="0" anchor="ctr"/>
+            <a:lstStyle/>
+            <a:p>
+              <a:pPr algn="ctr"/>
+              <a:endParaRPr lang="en-US"/>
+            </a:p>
+          </p:txBody>
+        </p:sp>
+      </p:grpSp>
+    </p:spTree>
+    <p:extLst>
+      <p:ext uri="{BB962C8B-B14F-4D97-AF65-F5344CB8AC3E}">
+        <p14:creationId xmlns:p14="http://schemas.microsoft.com/office/powerpoint/2010/main" val="3576397981"/>
+      </p:ext>
+    </p:extLst>
+  </p:cSld>
+  <p:clrMapOvr>
+    <a:masterClrMapping/>
+  </p:clrMapOvr>
+</p:sld>
+</file>
+
+<file path=ppt/slides/slide13.xml><?xml version="1.0" encoding="utf-8"?>
+<p:sld xmlns:a="http://schemas.openxmlformats.org/drawingml/2006/main" xmlns:r="http://schemas.openxmlformats.org/officeDocument/2006/relationships" xmlns:p="http://schemas.openxmlformats.org/presentationml/2006/main">
+  <p:cSld>
+    <p:spTree>
+      <p:nvGrpSpPr>
+        <p:cNvPr id="1" name=""/>
+        <p:cNvGrpSpPr/>
+        <p:nvPr/>
+      </p:nvGrpSpPr>
+      <p:grpSpPr>
+        <a:xfrm>
+          <a:off x="0" y="0"/>
+          <a:ext cx="0" cy="0"/>
+          <a:chOff x="0" y="0"/>
+          <a:chExt cx="0" cy="0"/>
+        </a:xfrm>
+      </p:grpSpPr>
+      <p:grpSp>
+        <p:nvGrpSpPr>
+          <p:cNvPr id="9" name="Group 8">
+            <a:extLst>
+              <a:ext uri="{FF2B5EF4-FFF2-40B4-BE49-F238E27FC236}">
+                <a16:creationId xmlns:a16="http://schemas.microsoft.com/office/drawing/2014/main" id="{84E68416-51FC-8599-281B-EBC1D0C99468}"/>
+              </a:ext>
+            </a:extLst>
+          </p:cNvPr>
+          <p:cNvGrpSpPr/>
+          <p:nvPr/>
+        </p:nvGrpSpPr>
+        <p:grpSpPr>
+          <a:xfrm>
+            <a:off x="1450340" y="956310"/>
+            <a:ext cx="2006600" cy="2019600"/>
+            <a:chOff x="1450340" y="956310"/>
+            <a:chExt cx="2006600" cy="2019600"/>
+          </a:xfrm>
+        </p:grpSpPr>
+        <p:pic>
+          <p:nvPicPr>
+            <p:cNvPr id="6" name="Picture 5" descr="Icon&#10;&#10;Description automatically generated">
+              <a:extLst>
+                <a:ext uri="{FF2B5EF4-FFF2-40B4-BE49-F238E27FC236}">
+                  <a16:creationId xmlns:a16="http://schemas.microsoft.com/office/drawing/2014/main" id="{C2039392-1904-4FB4-7258-FC5D572CC19D}"/>
+                </a:ext>
+              </a:extLst>
+            </p:cNvPr>
+            <p:cNvPicPr>
+              <a:picLocks noChangeAspect="1"/>
+            </p:cNvPicPr>
+            <p:nvPr/>
+          </p:nvPicPr>
+          <p:blipFill>
+            <a:blip r:embed="rId2"/>
+            <a:stretch>
+              <a:fillRect/>
+            </a:stretch>
+          </p:blipFill>
+          <p:spPr>
+            <a:xfrm>
+              <a:off x="1450340" y="956310"/>
+              <a:ext cx="2006600" cy="2019300"/>
+            </a:xfrm>
+            <a:prstGeom prst="rect">
+              <a:avLst/>
+            </a:prstGeom>
+          </p:spPr>
+        </p:pic>
+        <p:sp>
+          <p:nvSpPr>
+            <p:cNvPr id="8" name="Rectangle 7">
+              <a:extLst>
+                <a:ext uri="{FF2B5EF4-FFF2-40B4-BE49-F238E27FC236}">
+                  <a16:creationId xmlns:a16="http://schemas.microsoft.com/office/drawing/2014/main" id="{42D7FDF3-7A8B-12AE-9DC4-CC506AF3E05E}"/>
+                </a:ext>
+              </a:extLst>
+            </p:cNvPr>
+            <p:cNvSpPr>
+              <a:spLocks noChangeAspect="1"/>
+            </p:cNvSpPr>
+            <p:nvPr/>
+          </p:nvSpPr>
+          <p:spPr>
+            <a:xfrm>
+              <a:off x="1450340" y="956310"/>
+              <a:ext cx="2001600" cy="2019600"/>
+            </a:xfrm>
+            <a:prstGeom prst="rect">
+              <a:avLst/>
+            </a:prstGeom>
+            <a:solidFill>
+              <a:srgbClr val="0868AC">
+                <a:alpha val="24706"/>
+              </a:srgbClr>
+            </a:solidFill>
+            <a:ln>
+              <a:noFill/>
+            </a:ln>
+          </p:spPr>
+          <p:style>
+            <a:lnRef idx="2">
+              <a:schemeClr val="accent1">
+                <a:shade val="50000"/>
+              </a:schemeClr>
+            </a:lnRef>
+            <a:fillRef idx="1">
+              <a:schemeClr val="accent1"/>
+            </a:fillRef>
+            <a:effectRef idx="0">
+              <a:schemeClr val="accent1"/>
+            </a:effectRef>
+            <a:fontRef idx="minor">
+              <a:schemeClr val="lt1"/>
+            </a:fontRef>
+          </p:style>
+          <p:txBody>
+            <a:bodyPr rtlCol="0" anchor="ctr"/>
+            <a:lstStyle/>
+            <a:p>
+              <a:pPr algn="ctr"/>
+              <a:endParaRPr lang="en-US"/>
+            </a:p>
+          </p:txBody>
+        </p:sp>
+      </p:grpSp>
+      <p:grpSp>
+        <p:nvGrpSpPr>
+          <p:cNvPr id="11" name="Group 10">
+            <a:extLst>
+              <a:ext uri="{FF2B5EF4-FFF2-40B4-BE49-F238E27FC236}">
+                <a16:creationId xmlns:a16="http://schemas.microsoft.com/office/drawing/2014/main" id="{2D8F13E4-299B-F911-78B5-4589F3599928}"/>
+              </a:ext>
+            </a:extLst>
+          </p:cNvPr>
+          <p:cNvGrpSpPr/>
+          <p:nvPr/>
+        </p:nvGrpSpPr>
+        <p:grpSpPr>
+          <a:xfrm>
+            <a:off x="8125460" y="1191260"/>
+            <a:ext cx="2006600" cy="2006600"/>
+            <a:chOff x="8125460" y="1191260"/>
+            <a:chExt cx="2006600" cy="2006600"/>
+          </a:xfrm>
+        </p:grpSpPr>
+        <p:pic>
+          <p:nvPicPr>
+            <p:cNvPr id="3" name="Picture 2" descr="Icon&#10;&#10;Description automatically generated">
+              <a:extLst>
+                <a:ext uri="{FF2B5EF4-FFF2-40B4-BE49-F238E27FC236}">
+                  <a16:creationId xmlns:a16="http://schemas.microsoft.com/office/drawing/2014/main" id="{0121B1BD-0D6A-8A36-7BE9-8E89DE67F770}"/>
+                </a:ext>
+              </a:extLst>
+            </p:cNvPr>
+            <p:cNvPicPr>
+              <a:picLocks noChangeAspect="1"/>
+            </p:cNvPicPr>
+            <p:nvPr/>
+          </p:nvPicPr>
+          <p:blipFill>
+            <a:blip r:embed="rId3"/>
+            <a:stretch>
+              <a:fillRect/>
+            </a:stretch>
+          </p:blipFill>
+          <p:spPr>
+            <a:xfrm>
+              <a:off x="8125460" y="1191260"/>
+              <a:ext cx="2006600" cy="2006600"/>
+            </a:xfrm>
+            <a:prstGeom prst="rect">
+              <a:avLst/>
+            </a:prstGeom>
+          </p:spPr>
+        </p:pic>
+        <p:sp>
+          <p:nvSpPr>
+            <p:cNvPr id="10" name="Rectangle 9">
+              <a:extLst>
+                <a:ext uri="{FF2B5EF4-FFF2-40B4-BE49-F238E27FC236}">
+                  <a16:creationId xmlns:a16="http://schemas.microsoft.com/office/drawing/2014/main" id="{858ADF8B-47D5-7A09-B178-3ABC28A775A3}"/>
+                </a:ext>
+              </a:extLst>
+            </p:cNvPr>
+            <p:cNvSpPr>
+              <a:spLocks noChangeAspect="1"/>
+            </p:cNvSpPr>
+            <p:nvPr/>
+          </p:nvSpPr>
+          <p:spPr>
+            <a:xfrm>
+              <a:off x="8130460" y="1196260"/>
+              <a:ext cx="2001600" cy="2001600"/>
+            </a:xfrm>
+            <a:prstGeom prst="rect">
+              <a:avLst/>
+            </a:prstGeom>
+            <a:solidFill>
+              <a:srgbClr val="006837">
+                <a:alpha val="24706"/>
+              </a:srgbClr>
+            </a:solidFill>
+            <a:ln>
+              <a:noFill/>
+            </a:ln>
+          </p:spPr>
+          <p:style>
+            <a:lnRef idx="2">
+              <a:schemeClr val="accent1">
+                <a:shade val="50000"/>
+              </a:schemeClr>
+            </a:lnRef>
+            <a:fillRef idx="1">
+              <a:schemeClr val="accent1"/>
+            </a:fillRef>
+            <a:effectRef idx="0">
+              <a:schemeClr val="accent1"/>
+            </a:effectRef>
+            <a:fontRef idx="minor">
+              <a:schemeClr val="lt1"/>
+            </a:fontRef>
+          </p:style>
+          <p:txBody>
+            <a:bodyPr rtlCol="0" anchor="ctr"/>
+            <a:lstStyle/>
+            <a:p>
+              <a:pPr algn="ctr"/>
+              <a:endParaRPr lang="en-US"/>
+            </a:p>
+          </p:txBody>
+        </p:sp>
+      </p:grpSp>
+    </p:spTree>
+    <p:extLst>
+      <p:ext uri="{BB962C8B-B14F-4D97-AF65-F5344CB8AC3E}">
+        <p14:creationId xmlns:p14="http://schemas.microsoft.com/office/powerpoint/2010/main" val="3615720966"/>
+      </p:ext>
+    </p:extLst>
+  </p:cSld>
+  <p:clrMapOvr>
+    <a:masterClrMapping/>
+  </p:clrMapOvr>
+</p:sld>
+</file>
+
+<file path=ppt/slides/slide14.xml><?xml version="1.0" encoding="utf-8"?>
+<p:sld xmlns:a="http://schemas.openxmlformats.org/drawingml/2006/main" xmlns:r="http://schemas.openxmlformats.org/officeDocument/2006/relationships" xmlns:p="http://schemas.openxmlformats.org/presentationml/2006/main">
+  <p:cSld>
+    <p:spTree>
+      <p:nvGrpSpPr>
+        <p:cNvPr id="1" name=""/>
+        <p:cNvGrpSpPr/>
+        <p:nvPr/>
+      </p:nvGrpSpPr>
+      <p:grpSpPr>
+        <a:xfrm>
+          <a:off x="0" y="0"/>
+          <a:ext cx="0" cy="0"/>
+          <a:chOff x="0" y="0"/>
+          <a:chExt cx="0" cy="0"/>
+        </a:xfrm>
+      </p:grpSpPr>
+      <p:grpSp>
+        <p:nvGrpSpPr>
+          <p:cNvPr id="9" name="Group 8">
+            <a:extLst>
+              <a:ext uri="{FF2B5EF4-FFF2-40B4-BE49-F238E27FC236}">
+                <a16:creationId xmlns:a16="http://schemas.microsoft.com/office/drawing/2014/main" id="{94D4022F-30E5-F463-8A76-BB6C85E39B6A}"/>
+              </a:ext>
+            </a:extLst>
+          </p:cNvPr>
+          <p:cNvGrpSpPr/>
+          <p:nvPr/>
+        </p:nvGrpSpPr>
+        <p:grpSpPr>
+          <a:xfrm>
+            <a:off x="1297940" y="424180"/>
+            <a:ext cx="2006600" cy="2006600"/>
+            <a:chOff x="1663700" y="1308100"/>
+            <a:chExt cx="2006600" cy="2006600"/>
+          </a:xfrm>
+        </p:grpSpPr>
+        <p:pic>
+          <p:nvPicPr>
+            <p:cNvPr id="6" name="Picture 5" descr="Icon&#10;&#10;Description automatically generated">
+              <a:extLst>
+                <a:ext uri="{FF2B5EF4-FFF2-40B4-BE49-F238E27FC236}">
+                  <a16:creationId xmlns:a16="http://schemas.microsoft.com/office/drawing/2014/main" id="{41C4673D-9F72-51E5-B345-0EDDE929D77F}"/>
+                </a:ext>
+              </a:extLst>
+            </p:cNvPr>
+            <p:cNvPicPr>
+              <a:picLocks noChangeAspect="1"/>
+            </p:cNvPicPr>
+            <p:nvPr/>
+          </p:nvPicPr>
+          <p:blipFill>
+            <a:blip r:embed="rId2"/>
+            <a:stretch>
+              <a:fillRect/>
+            </a:stretch>
+          </p:blipFill>
+          <p:spPr>
+            <a:xfrm>
+              <a:off x="1663700" y="1308100"/>
+              <a:ext cx="2006600" cy="2006600"/>
+            </a:xfrm>
+            <a:prstGeom prst="rect">
+              <a:avLst/>
+            </a:prstGeom>
+          </p:spPr>
+        </p:pic>
+        <p:sp>
+          <p:nvSpPr>
+            <p:cNvPr id="8" name="Rectangle 7">
+              <a:extLst>
+                <a:ext uri="{FF2B5EF4-FFF2-40B4-BE49-F238E27FC236}">
+                  <a16:creationId xmlns:a16="http://schemas.microsoft.com/office/drawing/2014/main" id="{D14E106E-C363-41BE-2894-6541DF907588}"/>
+                </a:ext>
+              </a:extLst>
+            </p:cNvPr>
+            <p:cNvSpPr>
+              <a:spLocks/>
+            </p:cNvSpPr>
+            <p:nvPr/>
+          </p:nvSpPr>
+          <p:spPr>
+            <a:xfrm>
+              <a:off x="1668700" y="1313100"/>
+              <a:ext cx="2001600" cy="2001600"/>
+            </a:xfrm>
+            <a:prstGeom prst="rect">
+              <a:avLst/>
+            </a:prstGeom>
+            <a:solidFill>
+              <a:srgbClr val="0868AC">
+                <a:alpha val="24706"/>
+              </a:srgbClr>
+            </a:solidFill>
+            <a:ln>
+              <a:noFill/>
+            </a:ln>
+          </p:spPr>
+          <p:style>
+            <a:lnRef idx="2">
+              <a:schemeClr val="accent1">
+                <a:shade val="50000"/>
+              </a:schemeClr>
+            </a:lnRef>
+            <a:fillRef idx="1">
+              <a:schemeClr val="accent1"/>
+            </a:fillRef>
+            <a:effectRef idx="0">
+              <a:schemeClr val="accent1"/>
+            </a:effectRef>
+            <a:fontRef idx="minor">
+              <a:schemeClr val="lt1"/>
+            </a:fontRef>
+          </p:style>
+          <p:txBody>
+            <a:bodyPr rtlCol="0" anchor="ctr"/>
+            <a:lstStyle/>
+            <a:p>
+              <a:pPr algn="ctr"/>
+              <a:endParaRPr lang="en-US"/>
+            </a:p>
+          </p:txBody>
+        </p:sp>
+      </p:grpSp>
+      <p:grpSp>
+        <p:nvGrpSpPr>
+          <p:cNvPr id="11" name="Group 10">
+            <a:extLst>
+              <a:ext uri="{FF2B5EF4-FFF2-40B4-BE49-F238E27FC236}">
+                <a16:creationId xmlns:a16="http://schemas.microsoft.com/office/drawing/2014/main" id="{F31173C1-17AE-FB2B-6094-27877E90D98A}"/>
+              </a:ext>
+            </a:extLst>
+          </p:cNvPr>
+          <p:cNvGrpSpPr/>
+          <p:nvPr/>
+        </p:nvGrpSpPr>
+        <p:grpSpPr>
+          <a:xfrm>
+            <a:off x="7056120" y="3429000"/>
+            <a:ext cx="2222500" cy="2235200"/>
+            <a:chOff x="7056120" y="3429000"/>
+            <a:chExt cx="2222500" cy="2235200"/>
+          </a:xfrm>
+        </p:grpSpPr>
+        <p:pic>
+          <p:nvPicPr>
+            <p:cNvPr id="3" name="Picture 2" descr="Icon&#10;&#10;Description automatically generated">
+              <a:extLst>
+                <a:ext uri="{FF2B5EF4-FFF2-40B4-BE49-F238E27FC236}">
+                  <a16:creationId xmlns:a16="http://schemas.microsoft.com/office/drawing/2014/main" id="{5EA735A5-A311-A423-1144-DC62C90C165A}"/>
+                </a:ext>
+              </a:extLst>
+            </p:cNvPr>
+            <p:cNvPicPr>
+              <a:picLocks noChangeAspect="1"/>
+            </p:cNvPicPr>
+            <p:nvPr/>
+          </p:nvPicPr>
+          <p:blipFill>
+            <a:blip r:embed="rId3"/>
+            <a:stretch>
+              <a:fillRect/>
+            </a:stretch>
+          </p:blipFill>
+          <p:spPr>
+            <a:xfrm>
+              <a:off x="7056120" y="3429000"/>
+              <a:ext cx="2222500" cy="2235200"/>
+            </a:xfrm>
+            <a:prstGeom prst="rect">
+              <a:avLst/>
+            </a:prstGeom>
+          </p:spPr>
+        </p:pic>
+        <p:sp>
+          <p:nvSpPr>
+            <p:cNvPr id="10" name="Rectangle 9">
+              <a:extLst>
+                <a:ext uri="{FF2B5EF4-FFF2-40B4-BE49-F238E27FC236}">
+                  <a16:creationId xmlns:a16="http://schemas.microsoft.com/office/drawing/2014/main" id="{84C5AE96-9D58-69DD-0613-9B0AD84428DC}"/>
+                </a:ext>
+              </a:extLst>
+            </p:cNvPr>
+            <p:cNvSpPr>
+              <a:spLocks/>
+            </p:cNvSpPr>
+            <p:nvPr/>
+          </p:nvSpPr>
+          <p:spPr>
+            <a:xfrm>
+              <a:off x="7057420" y="3429000"/>
+              <a:ext cx="2221200" cy="2232000"/>
+            </a:xfrm>
+            <a:prstGeom prst="rect">
+              <a:avLst/>
+            </a:prstGeom>
+            <a:solidFill>
+              <a:srgbClr val="006837">
+                <a:alpha val="24706"/>
+              </a:srgbClr>
+            </a:solidFill>
+            <a:ln>
+              <a:noFill/>
+            </a:ln>
+          </p:spPr>
+          <p:style>
+            <a:lnRef idx="2">
+              <a:schemeClr val="accent1">
+                <a:shade val="50000"/>
+              </a:schemeClr>
+            </a:lnRef>
+            <a:fillRef idx="1">
+              <a:schemeClr val="accent1"/>
+            </a:fillRef>
+            <a:effectRef idx="0">
+              <a:schemeClr val="accent1"/>
+            </a:effectRef>
+            <a:fontRef idx="minor">
+              <a:schemeClr val="lt1"/>
+            </a:fontRef>
+          </p:style>
+          <p:txBody>
+            <a:bodyPr rtlCol="0" anchor="ctr"/>
+            <a:lstStyle/>
+            <a:p>
+              <a:pPr algn="ctr"/>
+              <a:endParaRPr lang="en-US"/>
+            </a:p>
+          </p:txBody>
+        </p:sp>
+      </p:grpSp>
+    </p:spTree>
+    <p:extLst>
+      <p:ext uri="{BB962C8B-B14F-4D97-AF65-F5344CB8AC3E}">
+        <p14:creationId xmlns:p14="http://schemas.microsoft.com/office/powerpoint/2010/main" val="3511087641"/>
+      </p:ext>
+    </p:extLst>
+  </p:cSld>
+  <p:clrMapOvr>
+    <a:masterClrMapping/>
+  </p:clrMapOvr>
+</p:sld>
+</file>
+
+<file path=ppt/slides/slide15.xml><?xml version="1.0" encoding="utf-8"?>
+<p:sld xmlns:a="http://schemas.openxmlformats.org/drawingml/2006/main" xmlns:r="http://schemas.openxmlformats.org/officeDocument/2006/relationships" xmlns:p="http://schemas.openxmlformats.org/presentationml/2006/main">
+  <p:cSld>
+    <p:spTree>
+      <p:nvGrpSpPr>
+        <p:cNvPr id="1" name=""/>
+        <p:cNvGrpSpPr/>
+        <p:nvPr/>
+      </p:nvGrpSpPr>
+      <p:grpSpPr>
+        <a:xfrm>
+          <a:off x="0" y="0"/>
+          <a:ext cx="0" cy="0"/>
+          <a:chOff x="0" y="0"/>
+          <a:chExt cx="0" cy="0"/>
+        </a:xfrm>
+      </p:grpSpPr>
+      <p:grpSp>
+        <p:nvGrpSpPr>
+          <p:cNvPr id="9" name="Group 8">
+            <a:extLst>
+              <a:ext uri="{FF2B5EF4-FFF2-40B4-BE49-F238E27FC236}">
+                <a16:creationId xmlns:a16="http://schemas.microsoft.com/office/drawing/2014/main" id="{43298944-A488-AEB2-1192-75E51377F985}"/>
+              </a:ext>
+            </a:extLst>
+          </p:cNvPr>
+          <p:cNvGrpSpPr/>
+          <p:nvPr/>
+        </p:nvGrpSpPr>
+        <p:grpSpPr>
+          <a:xfrm>
+            <a:off x="993140" y="-152400"/>
+            <a:ext cx="2006600" cy="2006600"/>
+            <a:chOff x="2151380" y="1981200"/>
+            <a:chExt cx="2006600" cy="2006600"/>
+          </a:xfrm>
+        </p:grpSpPr>
+        <p:pic>
+          <p:nvPicPr>
+            <p:cNvPr id="6" name="Picture 5">
+              <a:extLst>
+                <a:ext uri="{FF2B5EF4-FFF2-40B4-BE49-F238E27FC236}">
+                  <a16:creationId xmlns:a16="http://schemas.microsoft.com/office/drawing/2014/main" id="{6C5F422F-4079-F48D-91BB-8B2E22804CAA}"/>
+                </a:ext>
+              </a:extLst>
+            </p:cNvPr>
+            <p:cNvPicPr>
+              <a:picLocks noChangeAspect="1"/>
+            </p:cNvPicPr>
+            <p:nvPr/>
+          </p:nvPicPr>
+          <p:blipFill>
+            <a:blip r:embed="rId2"/>
+            <a:stretch>
+              <a:fillRect/>
+            </a:stretch>
+          </p:blipFill>
+          <p:spPr>
+            <a:xfrm>
+              <a:off x="2151380" y="1981200"/>
+              <a:ext cx="2006600" cy="2006600"/>
+            </a:xfrm>
+            <a:prstGeom prst="rect">
+              <a:avLst/>
+            </a:prstGeom>
+          </p:spPr>
+        </p:pic>
+        <p:sp>
+          <p:nvSpPr>
+            <p:cNvPr id="8" name="Rectangle 7">
+              <a:extLst>
+                <a:ext uri="{FF2B5EF4-FFF2-40B4-BE49-F238E27FC236}">
+                  <a16:creationId xmlns:a16="http://schemas.microsoft.com/office/drawing/2014/main" id="{4D9B2DCB-A5CE-8D6B-E411-CD5FF9CC7E49}"/>
+                </a:ext>
+              </a:extLst>
+            </p:cNvPr>
+            <p:cNvSpPr>
+              <a:spLocks/>
+            </p:cNvSpPr>
+            <p:nvPr/>
+          </p:nvSpPr>
+          <p:spPr>
+            <a:xfrm>
+              <a:off x="2156380" y="1986200"/>
+              <a:ext cx="2001600" cy="2001600"/>
+            </a:xfrm>
+            <a:prstGeom prst="rect">
+              <a:avLst/>
+            </a:prstGeom>
+            <a:solidFill>
+              <a:srgbClr val="0868AC">
+                <a:alpha val="24706"/>
+              </a:srgbClr>
+            </a:solidFill>
+            <a:ln>
+              <a:noFill/>
+            </a:ln>
+          </p:spPr>
+          <p:style>
+            <a:lnRef idx="2">
+              <a:schemeClr val="accent1">
+                <a:shade val="50000"/>
+              </a:schemeClr>
+            </a:lnRef>
+            <a:fillRef idx="1">
+              <a:schemeClr val="accent1"/>
+            </a:fillRef>
+            <a:effectRef idx="0">
+              <a:schemeClr val="accent1"/>
+            </a:effectRef>
+            <a:fontRef idx="minor">
+              <a:schemeClr val="lt1"/>
+            </a:fontRef>
+          </p:style>
+          <p:txBody>
+            <a:bodyPr rtlCol="0" anchor="ctr"/>
+            <a:lstStyle/>
+            <a:p>
+              <a:pPr algn="ctr"/>
+              <a:endParaRPr lang="en-US"/>
+            </a:p>
+          </p:txBody>
+        </p:sp>
+      </p:grpSp>
+      <p:grpSp>
+        <p:nvGrpSpPr>
+          <p:cNvPr id="12" name="Group 11">
+            <a:extLst>
+              <a:ext uri="{FF2B5EF4-FFF2-40B4-BE49-F238E27FC236}">
+                <a16:creationId xmlns:a16="http://schemas.microsoft.com/office/drawing/2014/main" id="{C4E17103-858A-499A-3DAE-0647360BCD48}"/>
+              </a:ext>
+            </a:extLst>
+          </p:cNvPr>
+          <p:cNvGrpSpPr/>
+          <p:nvPr/>
+        </p:nvGrpSpPr>
+        <p:grpSpPr>
+          <a:xfrm>
+            <a:off x="7424420" y="1981200"/>
+            <a:ext cx="2006600" cy="2006600"/>
+            <a:chOff x="7424420" y="1981200"/>
+            <a:chExt cx="2006600" cy="2006600"/>
+          </a:xfrm>
+        </p:grpSpPr>
+        <p:pic>
+          <p:nvPicPr>
+            <p:cNvPr id="3" name="Picture 2" descr="Shape, circle&#10;&#10;Description automatically generated">
+              <a:extLst>
+                <a:ext uri="{FF2B5EF4-FFF2-40B4-BE49-F238E27FC236}">
+                  <a16:creationId xmlns:a16="http://schemas.microsoft.com/office/drawing/2014/main" id="{597B078A-3819-9B01-7A05-A79B1A743438}"/>
+                </a:ext>
+              </a:extLst>
+            </p:cNvPr>
+            <p:cNvPicPr>
+              <a:picLocks noChangeAspect="1"/>
+            </p:cNvPicPr>
+            <p:nvPr/>
+          </p:nvPicPr>
+          <p:blipFill>
+            <a:blip r:embed="rId3"/>
+            <a:stretch>
+              <a:fillRect/>
+            </a:stretch>
+          </p:blipFill>
+          <p:spPr>
+            <a:xfrm>
+              <a:off x="7424420" y="1981200"/>
+              <a:ext cx="2006600" cy="2006600"/>
+            </a:xfrm>
+            <a:prstGeom prst="rect">
+              <a:avLst/>
+            </a:prstGeom>
+          </p:spPr>
+        </p:pic>
+        <p:sp>
+          <p:nvSpPr>
+            <p:cNvPr id="11" name="Rectangle 10">
+              <a:extLst>
+                <a:ext uri="{FF2B5EF4-FFF2-40B4-BE49-F238E27FC236}">
+                  <a16:creationId xmlns:a16="http://schemas.microsoft.com/office/drawing/2014/main" id="{FA848A0A-A26F-D860-BBE0-650E0E93AE03}"/>
+                </a:ext>
+              </a:extLst>
+            </p:cNvPr>
+            <p:cNvSpPr>
+              <a:spLocks noChangeAspect="1"/>
+            </p:cNvSpPr>
+            <p:nvPr/>
+          </p:nvSpPr>
+          <p:spPr>
+            <a:xfrm>
+              <a:off x="7429420" y="1986200"/>
+              <a:ext cx="2001600" cy="2001600"/>
+            </a:xfrm>
+            <a:prstGeom prst="rect">
+              <a:avLst/>
+            </a:prstGeom>
+            <a:solidFill>
+              <a:srgbClr val="006837">
+                <a:alpha val="24706"/>
+              </a:srgbClr>
+            </a:solidFill>
+            <a:ln>
+              <a:noFill/>
+            </a:ln>
+          </p:spPr>
+          <p:style>
+            <a:lnRef idx="2">
+              <a:schemeClr val="accent1">
+                <a:shade val="50000"/>
+              </a:schemeClr>
+            </a:lnRef>
+            <a:fillRef idx="1">
+              <a:schemeClr val="accent1"/>
+            </a:fillRef>
+            <a:effectRef idx="0">
+              <a:schemeClr val="accent1"/>
+            </a:effectRef>
+            <a:fontRef idx="minor">
+              <a:schemeClr val="lt1"/>
+            </a:fontRef>
+          </p:style>
+          <p:txBody>
+            <a:bodyPr rtlCol="0" anchor="ctr"/>
+            <a:lstStyle/>
+            <a:p>
+              <a:pPr algn="ctr"/>
+              <a:endParaRPr lang="en-US"/>
+            </a:p>
+          </p:txBody>
+        </p:sp>
+      </p:grpSp>
+    </p:spTree>
+    <p:extLst>
+      <p:ext uri="{BB962C8B-B14F-4D97-AF65-F5344CB8AC3E}">
+        <p14:creationId xmlns:p14="http://schemas.microsoft.com/office/powerpoint/2010/main" val="3163552232"/>
+      </p:ext>
+    </p:extLst>
+  </p:cSld>
+  <p:clrMapOvr>
+    <a:masterClrMapping/>
+  </p:clrMapOvr>
+</p:sld>
+</file>
+
+<file path=ppt/slides/slide16.xml><?xml version="1.0" encoding="utf-8"?>
+<p:sld xmlns:a="http://schemas.openxmlformats.org/drawingml/2006/main" xmlns:r="http://schemas.openxmlformats.org/officeDocument/2006/relationships" xmlns:p="http://schemas.openxmlformats.org/presentationml/2006/main">
+  <p:cSld>
+    <p:spTree>
+      <p:nvGrpSpPr>
+        <p:cNvPr id="1" name=""/>
+        <p:cNvGrpSpPr/>
+        <p:nvPr/>
+      </p:nvGrpSpPr>
+      <p:grpSpPr>
+        <a:xfrm>
+          <a:off x="0" y="0"/>
+          <a:ext cx="0" cy="0"/>
+          <a:chOff x="0" y="0"/>
+          <a:chExt cx="0" cy="0"/>
+        </a:xfrm>
+      </p:grpSpPr>
+      <p:grpSp>
+        <p:nvGrpSpPr>
+          <p:cNvPr id="9" name="Group 8">
+            <a:extLst>
+              <a:ext uri="{FF2B5EF4-FFF2-40B4-BE49-F238E27FC236}">
+                <a16:creationId xmlns:a16="http://schemas.microsoft.com/office/drawing/2014/main" id="{20EBD400-72F5-B699-EAE3-C8C11576B326}"/>
+              </a:ext>
+            </a:extLst>
+          </p:cNvPr>
+          <p:cNvGrpSpPr/>
+          <p:nvPr/>
+        </p:nvGrpSpPr>
+        <p:grpSpPr>
+          <a:xfrm>
+            <a:off x="264120" y="4683720"/>
+            <a:ext cx="2001600" cy="2001600"/>
+            <a:chOff x="2275800" y="1056600"/>
+            <a:chExt cx="2001600" cy="2001600"/>
+          </a:xfrm>
+        </p:grpSpPr>
+        <p:pic>
+          <p:nvPicPr>
+            <p:cNvPr id="6" name="Picture 5" descr="Icon&#10;&#10;Description automatically generated">
+              <a:extLst>
+                <a:ext uri="{FF2B5EF4-FFF2-40B4-BE49-F238E27FC236}">
+                  <a16:creationId xmlns:a16="http://schemas.microsoft.com/office/drawing/2014/main" id="{C82EDC4E-AEA4-ACED-18CB-51830DDCF25D}"/>
+                </a:ext>
+              </a:extLst>
+            </p:cNvPr>
+            <p:cNvPicPr>
+              <a:picLocks noChangeAspect="1"/>
+            </p:cNvPicPr>
+            <p:nvPr/>
+          </p:nvPicPr>
+          <p:blipFill>
+            <a:blip r:embed="rId2"/>
+            <a:stretch>
+              <a:fillRect/>
+            </a:stretch>
+          </p:blipFill>
+          <p:spPr>
+            <a:xfrm>
+              <a:off x="2514600" y="1504950"/>
+              <a:ext cx="1524000" cy="1104900"/>
+            </a:xfrm>
+            <a:prstGeom prst="rect">
+              <a:avLst/>
+            </a:prstGeom>
+          </p:spPr>
+        </p:pic>
+        <p:sp>
+          <p:nvSpPr>
+            <p:cNvPr id="8" name="Rectangle 7">
+              <a:extLst>
+                <a:ext uri="{FF2B5EF4-FFF2-40B4-BE49-F238E27FC236}">
+                  <a16:creationId xmlns:a16="http://schemas.microsoft.com/office/drawing/2014/main" id="{93EA678C-D7F9-DFC5-C5EE-E784A1DC5CBA}"/>
+                </a:ext>
+              </a:extLst>
+            </p:cNvPr>
+            <p:cNvSpPr>
+              <a:spLocks/>
+            </p:cNvSpPr>
+            <p:nvPr/>
+          </p:nvSpPr>
+          <p:spPr>
+            <a:xfrm>
+              <a:off x="2275800" y="1056600"/>
+              <a:ext cx="2001600" cy="2001600"/>
+            </a:xfrm>
+            <a:prstGeom prst="rect">
+              <a:avLst/>
+            </a:prstGeom>
+            <a:solidFill>
+              <a:srgbClr val="0868AC">
+                <a:alpha val="24706"/>
+              </a:srgbClr>
+            </a:solidFill>
+            <a:ln>
+              <a:noFill/>
+            </a:ln>
+          </p:spPr>
+          <p:style>
+            <a:lnRef idx="2">
+              <a:schemeClr val="accent1">
+                <a:shade val="50000"/>
+              </a:schemeClr>
+            </a:lnRef>
+            <a:fillRef idx="1">
+              <a:schemeClr val="accent1"/>
+            </a:fillRef>
+            <a:effectRef idx="0">
+              <a:schemeClr val="accent1"/>
+            </a:effectRef>
+            <a:fontRef idx="minor">
+              <a:schemeClr val="lt1"/>
+            </a:fontRef>
+          </p:style>
+          <p:txBody>
+            <a:bodyPr rtlCol="0" anchor="ctr"/>
+            <a:lstStyle/>
+            <a:p>
+              <a:pPr algn="ctr"/>
+              <a:endParaRPr lang="en-US"/>
+            </a:p>
+          </p:txBody>
+        </p:sp>
+      </p:grpSp>
+      <p:grpSp>
+        <p:nvGrpSpPr>
+          <p:cNvPr id="12" name="Group 11">
+            <a:extLst>
+              <a:ext uri="{FF2B5EF4-FFF2-40B4-BE49-F238E27FC236}">
+                <a16:creationId xmlns:a16="http://schemas.microsoft.com/office/drawing/2014/main" id="{2726F5F5-FC99-9196-FD9E-6168D89C8A5A}"/>
+              </a:ext>
+            </a:extLst>
+          </p:cNvPr>
+          <p:cNvGrpSpPr/>
+          <p:nvPr/>
+        </p:nvGrpSpPr>
+        <p:grpSpPr>
+          <a:xfrm>
+            <a:off x="7503120" y="1427400"/>
+            <a:ext cx="2001600" cy="2001600"/>
+            <a:chOff x="7503120" y="1427400"/>
+            <a:chExt cx="2001600" cy="2001600"/>
+          </a:xfrm>
+        </p:grpSpPr>
+        <p:pic>
+          <p:nvPicPr>
+            <p:cNvPr id="3" name="Picture 2" descr="Shape, icon&#10;&#10;Description automatically generated">
+              <a:extLst>
+                <a:ext uri="{FF2B5EF4-FFF2-40B4-BE49-F238E27FC236}">
+                  <a16:creationId xmlns:a16="http://schemas.microsoft.com/office/drawing/2014/main" id="{D073397D-AEE3-E408-9BBF-DC0D2AD9E3FE}"/>
+                </a:ext>
+              </a:extLst>
+            </p:cNvPr>
+            <p:cNvPicPr>
+              <a:picLocks noChangeAspect="1"/>
+            </p:cNvPicPr>
+            <p:nvPr/>
+          </p:nvPicPr>
+          <p:blipFill>
+            <a:blip r:embed="rId3"/>
+            <a:stretch>
+              <a:fillRect/>
+            </a:stretch>
+          </p:blipFill>
+          <p:spPr>
+            <a:xfrm>
+              <a:off x="7691120" y="1606550"/>
+              <a:ext cx="1625600" cy="1638300"/>
+            </a:xfrm>
+            <a:prstGeom prst="rect">
+              <a:avLst/>
+            </a:prstGeom>
+          </p:spPr>
+        </p:pic>
+        <p:sp>
+          <p:nvSpPr>
+            <p:cNvPr id="11" name="Rectangle 10">
+              <a:extLst>
+                <a:ext uri="{FF2B5EF4-FFF2-40B4-BE49-F238E27FC236}">
+                  <a16:creationId xmlns:a16="http://schemas.microsoft.com/office/drawing/2014/main" id="{56A547CF-AB94-9117-DFD1-9F01A10D79A0}"/>
+                </a:ext>
+              </a:extLst>
+            </p:cNvPr>
+            <p:cNvSpPr>
+              <a:spLocks noChangeAspect="1"/>
+            </p:cNvSpPr>
+            <p:nvPr/>
+          </p:nvSpPr>
+          <p:spPr>
+            <a:xfrm>
+              <a:off x="7503120" y="1427400"/>
+              <a:ext cx="2001600" cy="2001600"/>
+            </a:xfrm>
+            <a:prstGeom prst="rect">
+              <a:avLst/>
+            </a:prstGeom>
+            <a:solidFill>
+              <a:srgbClr val="006837">
+                <a:alpha val="24706"/>
+              </a:srgbClr>
+            </a:solidFill>
+            <a:ln>
+              <a:noFill/>
+            </a:ln>
+          </p:spPr>
+          <p:style>
+            <a:lnRef idx="2">
+              <a:schemeClr val="accent1">
+                <a:shade val="50000"/>
+              </a:schemeClr>
+            </a:lnRef>
+            <a:fillRef idx="1">
+              <a:schemeClr val="accent1"/>
+            </a:fillRef>
+            <a:effectRef idx="0">
+              <a:schemeClr val="accent1"/>
+            </a:effectRef>
+            <a:fontRef idx="minor">
+              <a:schemeClr val="lt1"/>
+            </a:fontRef>
+          </p:style>
+          <p:txBody>
+            <a:bodyPr rtlCol="0" anchor="ctr"/>
+            <a:lstStyle/>
+            <a:p>
+              <a:pPr algn="ctr"/>
+              <a:endParaRPr lang="en-US"/>
+            </a:p>
+          </p:txBody>
+        </p:sp>
+      </p:grpSp>
+    </p:spTree>
+    <p:extLst>
+      <p:ext uri="{BB962C8B-B14F-4D97-AF65-F5344CB8AC3E}">
+        <p14:creationId xmlns:p14="http://schemas.microsoft.com/office/powerpoint/2010/main" val="21249518"/>
+      </p:ext>
+    </p:extLst>
+  </p:cSld>
+  <p:clrMapOvr>
+    <a:masterClrMapping/>
+  </p:clrMapOvr>
+</p:sld>
+</file>
+
+<file path=ppt/slides/slide17.xml><?xml version="1.0" encoding="utf-8"?>
+<p:sld xmlns:a="http://schemas.openxmlformats.org/drawingml/2006/main" xmlns:r="http://schemas.openxmlformats.org/officeDocument/2006/relationships" xmlns:p="http://schemas.openxmlformats.org/presentationml/2006/main">
+  <p:cSld>
+    <p:spTree>
+      <p:nvGrpSpPr>
+        <p:cNvPr id="1" name=""/>
+        <p:cNvGrpSpPr/>
+        <p:nvPr/>
+      </p:nvGrpSpPr>
+      <p:grpSpPr>
+        <a:xfrm>
+          <a:off x="0" y="0"/>
+          <a:ext cx="0" cy="0"/>
+          <a:chOff x="0" y="0"/>
+          <a:chExt cx="0" cy="0"/>
+        </a:xfrm>
+      </p:grpSpPr>
+      <p:grpSp>
+        <p:nvGrpSpPr>
+          <p:cNvPr id="9" name="Group 8">
+            <a:extLst>
+              <a:ext uri="{FF2B5EF4-FFF2-40B4-BE49-F238E27FC236}">
+                <a16:creationId xmlns:a16="http://schemas.microsoft.com/office/drawing/2014/main" id="{A5816EC8-CF56-3E0B-EE26-CA778A1DCFD4}"/>
+              </a:ext>
+            </a:extLst>
+          </p:cNvPr>
+          <p:cNvGrpSpPr/>
+          <p:nvPr/>
+        </p:nvGrpSpPr>
+        <p:grpSpPr>
+          <a:xfrm>
+            <a:off x="1559520" y="916940"/>
+            <a:ext cx="2202220" cy="2067560"/>
+            <a:chOff x="1559520" y="916940"/>
+            <a:chExt cx="2202220" cy="2067560"/>
+          </a:xfrm>
+        </p:grpSpPr>
+        <p:pic>
+          <p:nvPicPr>
+            <p:cNvPr id="6" name="Picture 5" descr="A picture containing icon&#10;&#10;Description automatically generated">
+              <a:extLst>
+                <a:ext uri="{FF2B5EF4-FFF2-40B4-BE49-F238E27FC236}">
+                  <a16:creationId xmlns:a16="http://schemas.microsoft.com/office/drawing/2014/main" id="{DF2E1C9D-F94F-F9A2-7E24-9960BCDD1B75}"/>
+                </a:ext>
+              </a:extLst>
+            </p:cNvPr>
+            <p:cNvPicPr>
+              <a:picLocks noChangeAspect="1"/>
+            </p:cNvPicPr>
+            <p:nvPr/>
+          </p:nvPicPr>
+          <p:blipFill>
+            <a:blip r:embed="rId2"/>
+            <a:stretch>
+              <a:fillRect/>
+            </a:stretch>
+          </p:blipFill>
+          <p:spPr>
+            <a:xfrm>
+              <a:off x="1755140" y="977900"/>
+              <a:ext cx="2006600" cy="2006600"/>
+            </a:xfrm>
+            <a:prstGeom prst="rect">
+              <a:avLst/>
+            </a:prstGeom>
+          </p:spPr>
+        </p:pic>
+        <p:sp>
+          <p:nvSpPr>
+            <p:cNvPr id="8" name="Rectangle 7">
+              <a:extLst>
+                <a:ext uri="{FF2B5EF4-FFF2-40B4-BE49-F238E27FC236}">
+                  <a16:creationId xmlns:a16="http://schemas.microsoft.com/office/drawing/2014/main" id="{EC62D90A-CE90-DBBF-0808-1A820CAE32ED}"/>
+                </a:ext>
+              </a:extLst>
+            </p:cNvPr>
+            <p:cNvSpPr>
+              <a:spLocks/>
+            </p:cNvSpPr>
+            <p:nvPr/>
+          </p:nvSpPr>
+          <p:spPr>
+            <a:xfrm>
+              <a:off x="1559520" y="916940"/>
+              <a:ext cx="2001600" cy="2001600"/>
+            </a:xfrm>
+            <a:prstGeom prst="rect">
+              <a:avLst/>
+            </a:prstGeom>
+            <a:solidFill>
+              <a:srgbClr val="0868AC">
+                <a:alpha val="24706"/>
+              </a:srgbClr>
+            </a:solidFill>
+            <a:ln>
+              <a:noFill/>
+            </a:ln>
+          </p:spPr>
+          <p:style>
+            <a:lnRef idx="2">
+              <a:schemeClr val="accent1">
+                <a:shade val="50000"/>
+              </a:schemeClr>
+            </a:lnRef>
+            <a:fillRef idx="1">
+              <a:schemeClr val="accent1"/>
+            </a:fillRef>
+            <a:effectRef idx="0">
+              <a:schemeClr val="accent1"/>
+            </a:effectRef>
+            <a:fontRef idx="minor">
+              <a:schemeClr val="lt1"/>
+            </a:fontRef>
+          </p:style>
+          <p:txBody>
+            <a:bodyPr rtlCol="0" anchor="ctr"/>
+            <a:lstStyle/>
+            <a:p>
+              <a:pPr algn="ctr"/>
+              <a:endParaRPr lang="en-US"/>
+            </a:p>
+          </p:txBody>
+        </p:sp>
+      </p:grpSp>
+      <p:grpSp>
+        <p:nvGrpSpPr>
+          <p:cNvPr id="11" name="Group 10">
+            <a:extLst>
+              <a:ext uri="{FF2B5EF4-FFF2-40B4-BE49-F238E27FC236}">
+                <a16:creationId xmlns:a16="http://schemas.microsoft.com/office/drawing/2014/main" id="{8E91DFB0-F708-0B3F-B0F6-9B4ADC0793B6}"/>
+              </a:ext>
+            </a:extLst>
+          </p:cNvPr>
+          <p:cNvGrpSpPr/>
+          <p:nvPr/>
+        </p:nvGrpSpPr>
+        <p:grpSpPr>
+          <a:xfrm>
+            <a:off x="8850630" y="2425700"/>
+            <a:ext cx="2019300" cy="2019300"/>
+            <a:chOff x="8850630" y="2425700"/>
+            <a:chExt cx="2019300" cy="2019300"/>
+          </a:xfrm>
+        </p:grpSpPr>
+        <p:pic>
+          <p:nvPicPr>
+            <p:cNvPr id="3" name="Picture 2" descr="Shape&#10;&#10;Description automatically generated">
+              <a:extLst>
+                <a:ext uri="{FF2B5EF4-FFF2-40B4-BE49-F238E27FC236}">
+                  <a16:creationId xmlns:a16="http://schemas.microsoft.com/office/drawing/2014/main" id="{9CE58FAA-A6B4-6F21-DA98-63139BECEE20}"/>
+                </a:ext>
+              </a:extLst>
+            </p:cNvPr>
+            <p:cNvPicPr>
+              <a:picLocks noChangeAspect="1"/>
+            </p:cNvPicPr>
+            <p:nvPr/>
+          </p:nvPicPr>
+          <p:blipFill>
+            <a:blip r:embed="rId3"/>
+            <a:stretch>
+              <a:fillRect/>
+            </a:stretch>
+          </p:blipFill>
+          <p:spPr>
+            <a:xfrm>
+              <a:off x="8850630" y="2425700"/>
+              <a:ext cx="2019300" cy="2019300"/>
+            </a:xfrm>
+            <a:prstGeom prst="rect">
+              <a:avLst/>
+            </a:prstGeom>
+          </p:spPr>
+        </p:pic>
+        <p:sp>
+          <p:nvSpPr>
+            <p:cNvPr id="10" name="Rectangle 9">
+              <a:extLst>
+                <a:ext uri="{FF2B5EF4-FFF2-40B4-BE49-F238E27FC236}">
+                  <a16:creationId xmlns:a16="http://schemas.microsoft.com/office/drawing/2014/main" id="{A1D1F09E-B556-882C-F842-E4DE6D9580AB}"/>
+                </a:ext>
+              </a:extLst>
+            </p:cNvPr>
+            <p:cNvSpPr>
+              <a:spLocks noChangeAspect="1"/>
+            </p:cNvSpPr>
+            <p:nvPr/>
+          </p:nvSpPr>
+          <p:spPr>
+            <a:xfrm>
+              <a:off x="8868330" y="2434550"/>
+              <a:ext cx="2001600" cy="2001600"/>
+            </a:xfrm>
+            <a:prstGeom prst="rect">
+              <a:avLst/>
+            </a:prstGeom>
+            <a:solidFill>
+              <a:srgbClr val="006837">
+                <a:alpha val="24706"/>
+              </a:srgbClr>
+            </a:solidFill>
+            <a:ln>
+              <a:noFill/>
+            </a:ln>
+          </p:spPr>
+          <p:style>
+            <a:lnRef idx="2">
+              <a:schemeClr val="accent1">
+                <a:shade val="50000"/>
+              </a:schemeClr>
+            </a:lnRef>
+            <a:fillRef idx="1">
+              <a:schemeClr val="accent1"/>
+            </a:fillRef>
+            <a:effectRef idx="0">
+              <a:schemeClr val="accent1"/>
+            </a:effectRef>
+            <a:fontRef idx="minor">
+              <a:schemeClr val="lt1"/>
+            </a:fontRef>
+          </p:style>
+          <p:txBody>
+            <a:bodyPr rtlCol="0" anchor="ctr"/>
+            <a:lstStyle/>
+            <a:p>
+              <a:pPr algn="ctr"/>
+              <a:endParaRPr lang="en-US"/>
+            </a:p>
+          </p:txBody>
+        </p:sp>
+      </p:grpSp>
+    </p:spTree>
+    <p:extLst>
+      <p:ext uri="{BB962C8B-B14F-4D97-AF65-F5344CB8AC3E}">
+        <p14:creationId xmlns:p14="http://schemas.microsoft.com/office/powerpoint/2010/main" val="2936190627"/>
       </p:ext>
     </p:extLst>
   </p:cSld>
@@ -3697,7 +5660,7 @@
         <p:grpSpPr>
           <a:xfrm>
             <a:off x="5638800" y="2971800"/>
-            <a:ext cx="914400" cy="914400"/>
+            <a:ext cx="2001600" cy="2001600"/>
             <a:chOff x="5638800" y="2971800"/>
             <a:chExt cx="914400" cy="914400"/>
           </a:xfrm>
@@ -3753,7 +5716,7 @@
               <a:avLst/>
             </a:prstGeom>
             <a:solidFill>
-              <a:srgbClr val="5AB4AC">
+              <a:srgbClr val="006837">
                 <a:alpha val="20000"/>
               </a:srgbClr>
             </a:solidFill>
@@ -3782,7 +5745,7 @@
             <a:lstStyle/>
             <a:p>
               <a:pPr algn="ctr"/>
-              <a:endParaRPr lang="en-US"/>
+              <a:endParaRPr lang="en-US" dirty="0"/>
             </a:p>
           </p:txBody>
         </p:sp>
@@ -3796,13 +5759,15 @@
               </a:ext>
             </a:extLst>
           </p:cNvPr>
-          <p:cNvGrpSpPr/>
+          <p:cNvGrpSpPr>
+            <a:grpSpLocks noChangeAspect="1"/>
+          </p:cNvGrpSpPr>
           <p:nvPr/>
         </p:nvGrpSpPr>
         <p:grpSpPr>
           <a:xfrm>
-            <a:off x="2495550" y="1357313"/>
-            <a:ext cx="914400" cy="914400"/>
+            <a:off x="2099310" y="1128713"/>
+            <a:ext cx="2001600" cy="2001600"/>
             <a:chOff x="2495550" y="1357313"/>
             <a:chExt cx="914400" cy="914400"/>
           </a:xfrm>
@@ -3863,7 +5828,11 @@
             <a:prstGeom prst="rect">
               <a:avLst/>
             </a:prstGeom>
-            <a:grpFill/>
+            <a:solidFill>
+              <a:srgbClr val="0868AC">
+                <a:alpha val="25000"/>
+              </a:srgbClr>
+            </a:solidFill>
             <a:ln>
               <a:noFill/>
             </a:ln>
@@ -3933,13 +5902,15 @@
               </a:ext>
             </a:extLst>
           </p:cNvPr>
-          <p:cNvGrpSpPr/>
+          <p:cNvGrpSpPr>
+            <a:grpSpLocks noChangeAspect="1"/>
+          </p:cNvGrpSpPr>
           <p:nvPr/>
         </p:nvGrpSpPr>
         <p:grpSpPr>
           <a:xfrm>
             <a:off x="5632450" y="2944800"/>
-            <a:ext cx="927100" cy="960450"/>
+            <a:ext cx="2001600" cy="2001600"/>
             <a:chOff x="5632450" y="2944800"/>
             <a:chExt cx="927100" cy="960450"/>
           </a:xfrm>
@@ -3997,11 +5968,9 @@
               <a:avLst/>
             </a:prstGeom>
             <a:solidFill>
-              <a:schemeClr val="accent4">
-                <a:lumMod val="60000"/>
-                <a:lumOff val="40000"/>
-                <a:alpha val="25000"/>
-              </a:schemeClr>
+              <a:srgbClr val="006837">
+                <a:alpha val="24706"/>
+              </a:srgbClr>
             </a:solidFill>
             <a:ln>
               <a:noFill/>
@@ -4042,13 +6011,15 @@
               </a:ext>
             </a:extLst>
           </p:cNvPr>
-          <p:cNvGrpSpPr/>
+          <p:cNvGrpSpPr>
+            <a:grpSpLocks noChangeAspect="1"/>
+          </p:cNvGrpSpPr>
           <p:nvPr/>
         </p:nvGrpSpPr>
         <p:grpSpPr>
           <a:xfrm>
             <a:off x="2289175" y="2460600"/>
-            <a:ext cx="927100" cy="968400"/>
+            <a:ext cx="2001600" cy="2001600"/>
             <a:chOff x="2289175" y="2460600"/>
             <a:chExt cx="927100" cy="968400"/>
           </a:xfrm>
@@ -4106,10 +6077,9 @@
               <a:avLst/>
             </a:prstGeom>
             <a:solidFill>
-              <a:schemeClr val="accent4">
-                <a:lumMod val="75000"/>
-                <a:alpha val="25000"/>
-              </a:schemeClr>
+              <a:srgbClr val="0868AC">
+                <a:alpha val="24706"/>
+              </a:srgbClr>
             </a:solidFill>
             <a:ln>
               <a:noFill/>
@@ -4136,7 +6106,7 @@
             <a:lstStyle/>
             <a:p>
               <a:pPr algn="ctr"/>
-              <a:endParaRPr lang="en-US"/>
+              <a:endParaRPr lang="en-US" dirty="0"/>
             </a:p>
           </p:txBody>
         </p:sp>
@@ -4244,7 +6214,7 @@
               <a:avLst/>
             </a:prstGeom>
             <a:solidFill>
-              <a:srgbClr val="ADDD8E">
+              <a:srgbClr val="006837">
                 <a:alpha val="24706"/>
               </a:srgbClr>
             </a:solidFill>
@@ -4273,7 +6243,7 @@
             <a:lstStyle/>
             <a:p>
               <a:pPr algn="ctr"/>
-              <a:endParaRPr lang="en-US"/>
+              <a:endParaRPr lang="en-US" dirty="0"/>
             </a:p>
           </p:txBody>
         </p:sp>
@@ -4349,7 +6319,7 @@
               <a:avLst/>
             </a:prstGeom>
             <a:solidFill>
-              <a:srgbClr val="31A354">
+              <a:srgbClr val="0868AC">
                 <a:alpha val="24706"/>
               </a:srgbClr>
             </a:solidFill>
@@ -4486,10 +6456,9 @@
               <a:avLst/>
             </a:prstGeom>
             <a:solidFill>
-              <a:schemeClr val="accent6">
-                <a:lumMod val="75000"/>
-                <a:alpha val="24749"/>
-              </a:schemeClr>
+              <a:srgbClr val="006837">
+                <a:alpha val="24706"/>
+              </a:srgbClr>
             </a:solidFill>
             <a:ln>
               <a:noFill/>
@@ -4592,10 +6561,9 @@
               <a:avLst/>
             </a:prstGeom>
             <a:solidFill>
-              <a:schemeClr val="accent6">
-                <a:lumMod val="50000"/>
-                <a:alpha val="25000"/>
-              </a:schemeClr>
+              <a:srgbClr val="0868AC">
+                <a:alpha val="24706"/>
+              </a:srgbClr>
             </a:solidFill>
             <a:ln>
               <a:noFill/>
@@ -4728,7 +6696,7 @@
               <a:avLst/>
             </a:prstGeom>
             <a:solidFill>
-              <a:srgbClr val="F1EEF6">
+              <a:srgbClr val="FFFFCC">
                 <a:alpha val="29804"/>
               </a:srgbClr>
             </a:solidFill>
@@ -4833,7 +6801,7 @@
               <a:avLst/>
             </a:prstGeom>
             <a:solidFill>
-              <a:srgbClr val="D0D1E6">
+              <a:srgbClr val="C7E9B4">
                 <a:alpha val="29804"/>
               </a:srgbClr>
             </a:solidFill>
@@ -4938,7 +6906,7 @@
               <a:avLst/>
             </a:prstGeom>
             <a:solidFill>
-              <a:srgbClr val="A6BDDB">
+              <a:srgbClr val="7FCDBB">
                 <a:alpha val="29804"/>
               </a:srgbClr>
             </a:solidFill>
@@ -5043,7 +7011,7 @@
               <a:avLst/>
             </a:prstGeom>
             <a:solidFill>
-              <a:srgbClr val="74A9CF">
+              <a:srgbClr val="41B6C4">
                 <a:alpha val="29804"/>
               </a:srgbClr>
             </a:solidFill>
@@ -5148,7 +7116,7 @@
               <a:avLst/>
             </a:prstGeom>
             <a:solidFill>
-              <a:srgbClr val="2B8CBE">
+              <a:srgbClr val="2C7FB8">
                 <a:alpha val="29804"/>
               </a:srgbClr>
             </a:solidFill>
@@ -5253,7 +7221,7 @@
               <a:avLst/>
             </a:prstGeom>
             <a:solidFill>
-              <a:srgbClr val="045A8D">
+              <a:srgbClr val="253494">
                 <a:alpha val="29804"/>
               </a:srgbClr>
             </a:solidFill>
@@ -5282,7 +7250,7 @@
             <a:lstStyle/>
             <a:p>
               <a:pPr algn="ctr"/>
-              <a:endParaRPr lang="en-US"/>
+              <a:endParaRPr lang="en-US" dirty="0"/>
             </a:p>
           </p:txBody>
         </p:sp>
@@ -5388,11 +7356,9 @@
               <a:avLst/>
             </a:prstGeom>
             <a:solidFill>
-              <a:schemeClr val="accent2">
-                <a:lumMod val="20000"/>
-                <a:lumOff val="80000"/>
-                <a:alpha val="35000"/>
-              </a:schemeClr>
+              <a:srgbClr val="C7E9B4">
+                <a:alpha val="34902"/>
+              </a:srgbClr>
             </a:solidFill>
             <a:ln>
               <a:noFill/>
@@ -5495,11 +7461,9 @@
               <a:avLst/>
             </a:prstGeom>
             <a:solidFill>
-              <a:schemeClr val="accent2">
-                <a:lumMod val="40000"/>
-                <a:lumOff val="60000"/>
-                <a:alpha val="35000"/>
-              </a:schemeClr>
+              <a:srgbClr val="7FCDBB">
+                <a:alpha val="34902"/>
+              </a:srgbClr>
             </a:solidFill>
             <a:ln>
               <a:noFill/>
@@ -5526,7 +7490,7 @@
             <a:lstStyle/>
             <a:p>
               <a:pPr algn="ctr"/>
-              <a:endParaRPr lang="en-US"/>
+              <a:endParaRPr lang="en-US" dirty="0"/>
             </a:p>
           </p:txBody>
         </p:sp>
@@ -5602,11 +7566,9 @@
               <a:avLst/>
             </a:prstGeom>
             <a:solidFill>
-              <a:schemeClr val="accent2">
-                <a:lumMod val="60000"/>
-                <a:lumOff val="40000"/>
-                <a:alpha val="35000"/>
-              </a:schemeClr>
+              <a:srgbClr val="41B6C4">
+                <a:alpha val="34902"/>
+              </a:srgbClr>
             </a:solidFill>
             <a:ln>
               <a:noFill/>
@@ -5633,7 +7595,7 @@
             <a:lstStyle/>
             <a:p>
               <a:pPr algn="ctr"/>
-              <a:endParaRPr lang="en-US"/>
+              <a:endParaRPr lang="en-US" dirty="0"/>
             </a:p>
           </p:txBody>
         </p:sp>
@@ -5709,10 +7671,9 @@
               <a:avLst/>
             </a:prstGeom>
             <a:solidFill>
-              <a:schemeClr val="accent2">
-                <a:lumMod val="75000"/>
-                <a:alpha val="35000"/>
-              </a:schemeClr>
+              <a:srgbClr val="2C7FB8">
+                <a:alpha val="34902"/>
+              </a:srgbClr>
             </a:solidFill>
             <a:ln>
               <a:noFill/>
@@ -5739,7 +7700,7 @@
             <a:lstStyle/>
             <a:p>
               <a:pPr algn="ctr"/>
-              <a:endParaRPr lang="en-US"/>
+              <a:endParaRPr lang="en-US" dirty="0"/>
             </a:p>
           </p:txBody>
         </p:sp>
@@ -5815,10 +7776,9 @@
               <a:avLst/>
             </a:prstGeom>
             <a:solidFill>
-              <a:schemeClr val="accent2">
-                <a:lumMod val="50000"/>
-                <a:alpha val="35000"/>
-              </a:schemeClr>
+              <a:srgbClr val="253494">
+                <a:alpha val="34902"/>
+              </a:srgbClr>
             </a:solidFill>
             <a:ln>
               <a:noFill/>
@@ -5882,10 +7842,10 @@
       </p:grpSpPr>
       <p:grpSp>
         <p:nvGrpSpPr>
-          <p:cNvPr id="14" name="Group 13">
-            <a:extLst>
-              <a:ext uri="{FF2B5EF4-FFF2-40B4-BE49-F238E27FC236}">
-                <a16:creationId xmlns:a16="http://schemas.microsoft.com/office/drawing/2014/main" id="{8680D719-16A7-2224-A5B1-40F15355217F}"/>
+          <p:cNvPr id="9" name="Group 8">
+            <a:extLst>
+              <a:ext uri="{FF2B5EF4-FFF2-40B4-BE49-F238E27FC236}">
+                <a16:creationId xmlns:a16="http://schemas.microsoft.com/office/drawing/2014/main" id="{D6EF9B2B-5938-E9BF-01F0-653FB9820E93}"/>
               </a:ext>
             </a:extLst>
           </p:cNvPr>
@@ -5894,18 +7854,23 @@
         </p:nvGrpSpPr>
         <p:grpSpPr>
           <a:xfrm>
-            <a:off x="1233862" y="1416050"/>
-            <a:ext cx="2037600" cy="2019600"/>
-            <a:chOff x="1233862" y="1416050"/>
-            <a:chExt cx="2037600" cy="2019600"/>
+            <a:off x="1724660" y="2190750"/>
+            <a:ext cx="2006600" cy="2019300"/>
+            <a:chOff x="1724660" y="2190750"/>
+            <a:chExt cx="2006600" cy="2019300"/>
           </a:xfrm>
+          <a:solidFill>
+            <a:srgbClr val="0868AC">
+              <a:alpha val="24706"/>
+            </a:srgbClr>
+          </a:solidFill>
         </p:grpSpPr>
         <p:pic>
           <p:nvPicPr>
-            <p:cNvPr id="6" name="Picture 5" descr="Icon&#10;&#10;Description automatically generated">
+            <p:cNvPr id="7" name="Picture 6" descr="Icon&#10;&#10;Description automatically generated">
               <a:extLst>
                 <a:ext uri="{FF2B5EF4-FFF2-40B4-BE49-F238E27FC236}">
-                  <a16:creationId xmlns:a16="http://schemas.microsoft.com/office/drawing/2014/main" id="{D1CB96F4-B6F0-73FA-B61F-6C24F8A2ACC9}"/>
+                  <a16:creationId xmlns:a16="http://schemas.microsoft.com/office/drawing/2014/main" id="{8FBF529D-4D84-B70D-4074-59444F4D0720}"/>
                 </a:ext>
               </a:extLst>
             </p:cNvPr>
@@ -5922,20 +7887,24 @@
           </p:blipFill>
           <p:spPr>
             <a:xfrm>
-              <a:off x="1249362" y="1416050"/>
+              <a:off x="1724660" y="2190750"/>
               <a:ext cx="2006600" cy="2019300"/>
             </a:xfrm>
             <a:prstGeom prst="rect">
               <a:avLst/>
             </a:prstGeom>
+            <a:grpFill/>
+            <a:ln>
+              <a:noFill/>
+            </a:ln>
           </p:spPr>
         </p:pic>
         <p:sp>
           <p:nvSpPr>
-            <p:cNvPr id="12" name="Rectangle 11">
+            <p:cNvPr id="8" name="Rectangle 7">
               <a:extLst>
                 <a:ext uri="{FF2B5EF4-FFF2-40B4-BE49-F238E27FC236}">
-                  <a16:creationId xmlns:a16="http://schemas.microsoft.com/office/drawing/2014/main" id="{349CFD8B-FE6F-7DD2-0222-4A6EAEA5DEA5}"/>
+                  <a16:creationId xmlns:a16="http://schemas.microsoft.com/office/drawing/2014/main" id="{27F74976-0A81-1B34-EFA8-E16D6F25CD5D}"/>
                 </a:ext>
               </a:extLst>
             </p:cNvPr>
@@ -5946,17 +7915,13 @@
           </p:nvSpPr>
           <p:spPr>
             <a:xfrm>
-              <a:off x="1233862" y="1416050"/>
-              <a:ext cx="2037600" cy="2019600"/>
+              <a:off x="1729660" y="2190750"/>
+              <a:ext cx="2001600" cy="1983600"/>
             </a:xfrm>
             <a:prstGeom prst="rect">
               <a:avLst/>
             </a:prstGeom>
-            <a:solidFill>
-              <a:schemeClr val="accent1">
-                <a:alpha val="0"/>
-              </a:schemeClr>
-            </a:solidFill>
+            <a:grpFill/>
             <a:ln>
               <a:noFill/>
             </a:ln>
@@ -5989,10 +7954,10 @@
       </p:grpSp>
       <p:grpSp>
         <p:nvGrpSpPr>
-          <p:cNvPr id="15" name="Group 14">
-            <a:extLst>
-              <a:ext uri="{FF2B5EF4-FFF2-40B4-BE49-F238E27FC236}">
-                <a16:creationId xmlns:a16="http://schemas.microsoft.com/office/drawing/2014/main" id="{88995104-9356-639A-BAB8-A438D9F1662A}"/>
+          <p:cNvPr id="11" name="Group 10">
+            <a:extLst>
+              <a:ext uri="{FF2B5EF4-FFF2-40B4-BE49-F238E27FC236}">
+                <a16:creationId xmlns:a16="http://schemas.microsoft.com/office/drawing/2014/main" id="{9763CD3D-2E91-992B-DDB8-E7A922CD18F0}"/>
               </a:ext>
             </a:extLst>
           </p:cNvPr>
@@ -6001,18 +7966,18 @@
         </p:nvGrpSpPr>
         <p:grpSpPr>
           <a:xfrm>
-            <a:off x="8607425" y="2097088"/>
-            <a:ext cx="2017100" cy="2006600"/>
-            <a:chOff x="8607425" y="2097088"/>
-            <a:chExt cx="2017100" cy="2006600"/>
+            <a:off x="6982460" y="1800860"/>
+            <a:ext cx="2019763" cy="2006600"/>
+            <a:chOff x="6982460" y="1800860"/>
+            <a:chExt cx="2019763" cy="2006600"/>
           </a:xfrm>
         </p:grpSpPr>
         <p:pic>
           <p:nvPicPr>
-            <p:cNvPr id="3" name="Picture 2" descr="Icon&#10;&#10;Description automatically generated">
+            <p:cNvPr id="4" name="Picture 3" descr="Icon&#10;&#10;Description automatically generated">
               <a:extLst>
                 <a:ext uri="{FF2B5EF4-FFF2-40B4-BE49-F238E27FC236}">
-                  <a16:creationId xmlns:a16="http://schemas.microsoft.com/office/drawing/2014/main" id="{58D1D28E-9171-6BEA-3243-E28960BAEE44}"/>
+                  <a16:creationId xmlns:a16="http://schemas.microsoft.com/office/drawing/2014/main" id="{4B0A20B2-1828-A099-E87B-26B9FEF3D6FC}"/>
                 </a:ext>
               </a:extLst>
             </p:cNvPr>
@@ -6029,7 +7994,7 @@
           </p:blipFill>
           <p:spPr>
             <a:xfrm>
-              <a:off x="8607425" y="2097088"/>
+              <a:off x="6982460" y="1800860"/>
               <a:ext cx="2006600" cy="2006600"/>
             </a:xfrm>
             <a:prstGeom prst="rect">
@@ -6039,28 +8004,30 @@
         </p:pic>
         <p:sp>
           <p:nvSpPr>
-            <p:cNvPr id="13" name="Rectangle 12">
+            <p:cNvPr id="10" name="Rectangle 9">
               <a:extLst>
                 <a:ext uri="{FF2B5EF4-FFF2-40B4-BE49-F238E27FC236}">
-                  <a16:creationId xmlns:a16="http://schemas.microsoft.com/office/drawing/2014/main" id="{C3A7211B-9202-E1C5-6F46-788AD62D26E5}"/>
+                  <a16:creationId xmlns:a16="http://schemas.microsoft.com/office/drawing/2014/main" id="{87C6EFDC-61F6-2538-6E52-857B647AD109}"/>
                 </a:ext>
               </a:extLst>
             </p:cNvPr>
-            <p:cNvSpPr/>
+            <p:cNvSpPr>
+              <a:spLocks noChangeAspect="1"/>
+            </p:cNvSpPr>
             <p:nvPr/>
           </p:nvSpPr>
           <p:spPr>
             <a:xfrm>
-              <a:off x="8622925" y="2102088"/>
-              <a:ext cx="2001600" cy="2001600"/>
+              <a:off x="6982460" y="1800860"/>
+              <a:ext cx="2019763" cy="2001600"/>
             </a:xfrm>
             <a:prstGeom prst="rect">
               <a:avLst/>
             </a:prstGeom>
             <a:solidFill>
-              <a:schemeClr val="accent1">
-                <a:alpha val="0"/>
-              </a:schemeClr>
+              <a:srgbClr val="006837">
+                <a:alpha val="24706"/>
+              </a:srgbClr>
             </a:solidFill>
             <a:ln>
               <a:noFill/>
@@ -6096,6 +8063,250 @@
     <p:extLst>
       <p:ext uri="{BB962C8B-B14F-4D97-AF65-F5344CB8AC3E}">
         <p14:creationId xmlns:p14="http://schemas.microsoft.com/office/powerpoint/2010/main" val="2685283711"/>
+      </p:ext>
+    </p:extLst>
+  </p:cSld>
+  <p:clrMapOvr>
+    <a:masterClrMapping/>
+  </p:clrMapOvr>
+</p:sld>
+</file>
+
+<file path=ppt/slides/slide9.xml><?xml version="1.0" encoding="utf-8"?>
+<p:sld xmlns:a="http://schemas.openxmlformats.org/drawingml/2006/main" xmlns:r="http://schemas.openxmlformats.org/officeDocument/2006/relationships" xmlns:p="http://schemas.openxmlformats.org/presentationml/2006/main">
+  <p:cSld>
+    <p:spTree>
+      <p:nvGrpSpPr>
+        <p:cNvPr id="1" name=""/>
+        <p:cNvGrpSpPr/>
+        <p:nvPr/>
+      </p:nvGrpSpPr>
+      <p:grpSpPr>
+        <a:xfrm>
+          <a:off x="0" y="0"/>
+          <a:ext cx="0" cy="0"/>
+          <a:chOff x="0" y="0"/>
+          <a:chExt cx="0" cy="0"/>
+        </a:xfrm>
+      </p:grpSpPr>
+      <p:grpSp>
+        <p:nvGrpSpPr>
+          <p:cNvPr id="9" name="Group 8">
+            <a:extLst>
+              <a:ext uri="{FF2B5EF4-FFF2-40B4-BE49-F238E27FC236}">
+                <a16:creationId xmlns:a16="http://schemas.microsoft.com/office/drawing/2014/main" id="{04FF5323-C19C-3619-1071-5444EC24B7B5}"/>
+              </a:ext>
+            </a:extLst>
+          </p:cNvPr>
+          <p:cNvGrpSpPr/>
+          <p:nvPr/>
+        </p:nvGrpSpPr>
+        <p:grpSpPr>
+          <a:xfrm>
+            <a:off x="1900958" y="1297940"/>
+            <a:ext cx="2043662" cy="2006600"/>
+            <a:chOff x="1900958" y="1297940"/>
+            <a:chExt cx="2043662" cy="2006600"/>
+          </a:xfrm>
+        </p:grpSpPr>
+        <p:pic>
+          <p:nvPicPr>
+            <p:cNvPr id="6" name="Picture 5" descr="Icon&#10;&#10;Description automatically generated with medium confidence">
+              <a:extLst>
+                <a:ext uri="{FF2B5EF4-FFF2-40B4-BE49-F238E27FC236}">
+                  <a16:creationId xmlns:a16="http://schemas.microsoft.com/office/drawing/2014/main" id="{C7FF21C2-ECC6-7035-B0C3-86281AD51063}"/>
+                </a:ext>
+              </a:extLst>
+            </p:cNvPr>
+            <p:cNvPicPr>
+              <a:picLocks noChangeAspect="1"/>
+            </p:cNvPicPr>
+            <p:nvPr/>
+          </p:nvPicPr>
+          <p:blipFill>
+            <a:blip r:embed="rId2"/>
+            <a:stretch>
+              <a:fillRect/>
+            </a:stretch>
+          </p:blipFill>
+          <p:spPr>
+            <a:xfrm>
+              <a:off x="1938020" y="1297940"/>
+              <a:ext cx="2006600" cy="2006600"/>
+            </a:xfrm>
+            <a:prstGeom prst="rect">
+              <a:avLst/>
+            </a:prstGeom>
+          </p:spPr>
+        </p:pic>
+        <p:sp>
+          <p:nvSpPr>
+            <p:cNvPr id="8" name="Rectangle 7">
+              <a:extLst>
+                <a:ext uri="{FF2B5EF4-FFF2-40B4-BE49-F238E27FC236}">
+                  <a16:creationId xmlns:a16="http://schemas.microsoft.com/office/drawing/2014/main" id="{660DBDD3-F696-6AC2-37EB-DC791B011766}"/>
+                </a:ext>
+              </a:extLst>
+            </p:cNvPr>
+            <p:cNvSpPr>
+              <a:spLocks noChangeAspect="1"/>
+            </p:cNvSpPr>
+            <p:nvPr/>
+          </p:nvSpPr>
+          <p:spPr>
+            <a:xfrm>
+              <a:off x="1900958" y="1297940"/>
+              <a:ext cx="2019763" cy="2001600"/>
+            </a:xfrm>
+            <a:prstGeom prst="rect">
+              <a:avLst/>
+            </a:prstGeom>
+            <a:solidFill>
+              <a:srgbClr val="0868AC">
+                <a:alpha val="24706"/>
+              </a:srgbClr>
+            </a:solidFill>
+            <a:ln>
+              <a:noFill/>
+            </a:ln>
+          </p:spPr>
+          <p:style>
+            <a:lnRef idx="2">
+              <a:schemeClr val="accent1">
+                <a:shade val="50000"/>
+              </a:schemeClr>
+            </a:lnRef>
+            <a:fillRef idx="1">
+              <a:schemeClr val="accent1"/>
+            </a:fillRef>
+            <a:effectRef idx="0">
+              <a:schemeClr val="accent1"/>
+            </a:effectRef>
+            <a:fontRef idx="minor">
+              <a:schemeClr val="lt1"/>
+            </a:fontRef>
+          </p:style>
+          <p:txBody>
+            <a:bodyPr rtlCol="0" anchor="ctr"/>
+            <a:lstStyle/>
+            <a:p>
+              <a:pPr algn="ctr"/>
+              <a:endParaRPr lang="en-US"/>
+            </a:p>
+          </p:txBody>
+        </p:sp>
+      </p:grpSp>
+      <p:grpSp>
+        <p:nvGrpSpPr>
+          <p:cNvPr id="11" name="Group 10">
+            <a:extLst>
+              <a:ext uri="{FF2B5EF4-FFF2-40B4-BE49-F238E27FC236}">
+                <a16:creationId xmlns:a16="http://schemas.microsoft.com/office/drawing/2014/main" id="{99A37C86-B89B-DFDD-50A3-E2B028FC0636}"/>
+              </a:ext>
+            </a:extLst>
+          </p:cNvPr>
+          <p:cNvGrpSpPr/>
+          <p:nvPr/>
+        </p:nvGrpSpPr>
+        <p:grpSpPr>
+          <a:xfrm>
+            <a:off x="7490460" y="2082800"/>
+            <a:ext cx="2032000" cy="2032000"/>
+            <a:chOff x="7490460" y="2082800"/>
+            <a:chExt cx="2032000" cy="2032000"/>
+          </a:xfrm>
+        </p:grpSpPr>
+        <p:pic>
+          <p:nvPicPr>
+            <p:cNvPr id="3" name="Picture 2" descr="Icon&#10;&#10;Description automatically generated">
+              <a:extLst>
+                <a:ext uri="{FF2B5EF4-FFF2-40B4-BE49-F238E27FC236}">
+                  <a16:creationId xmlns:a16="http://schemas.microsoft.com/office/drawing/2014/main" id="{FA4B6D15-4445-C40E-513F-6DC00639A1F4}"/>
+                </a:ext>
+              </a:extLst>
+            </p:cNvPr>
+            <p:cNvPicPr>
+              <a:picLocks noChangeAspect="1"/>
+            </p:cNvPicPr>
+            <p:nvPr/>
+          </p:nvPicPr>
+          <p:blipFill>
+            <a:blip r:embed="rId3"/>
+            <a:stretch>
+              <a:fillRect/>
+            </a:stretch>
+          </p:blipFill>
+          <p:spPr>
+            <a:xfrm>
+              <a:off x="7490460" y="2082800"/>
+              <a:ext cx="2032000" cy="2032000"/>
+            </a:xfrm>
+            <a:prstGeom prst="rect">
+              <a:avLst/>
+            </a:prstGeom>
+          </p:spPr>
+        </p:pic>
+        <p:sp>
+          <p:nvSpPr>
+            <p:cNvPr id="10" name="Rectangle 9">
+              <a:extLst>
+                <a:ext uri="{FF2B5EF4-FFF2-40B4-BE49-F238E27FC236}">
+                  <a16:creationId xmlns:a16="http://schemas.microsoft.com/office/drawing/2014/main" id="{2191F113-2E77-6968-CFB2-EEDAEF88B9D2}"/>
+                </a:ext>
+              </a:extLst>
+            </p:cNvPr>
+            <p:cNvSpPr>
+              <a:spLocks noChangeAspect="1"/>
+            </p:cNvSpPr>
+            <p:nvPr/>
+          </p:nvSpPr>
+          <p:spPr>
+            <a:xfrm>
+              <a:off x="7502697" y="2082800"/>
+              <a:ext cx="2019763" cy="2001600"/>
+            </a:xfrm>
+            <a:prstGeom prst="rect">
+              <a:avLst/>
+            </a:prstGeom>
+            <a:solidFill>
+              <a:srgbClr val="006837">
+                <a:alpha val="24706"/>
+              </a:srgbClr>
+            </a:solidFill>
+            <a:ln>
+              <a:noFill/>
+            </a:ln>
+          </p:spPr>
+          <p:style>
+            <a:lnRef idx="2">
+              <a:schemeClr val="accent1">
+                <a:shade val="50000"/>
+              </a:schemeClr>
+            </a:lnRef>
+            <a:fillRef idx="1">
+              <a:schemeClr val="accent1"/>
+            </a:fillRef>
+            <a:effectRef idx="0">
+              <a:schemeClr val="accent1"/>
+            </a:effectRef>
+            <a:fontRef idx="minor">
+              <a:schemeClr val="lt1"/>
+            </a:fontRef>
+          </p:style>
+          <p:txBody>
+            <a:bodyPr rtlCol="0" anchor="ctr"/>
+            <a:lstStyle/>
+            <a:p>
+              <a:pPr algn="ctr"/>
+              <a:endParaRPr lang="en-US"/>
+            </a:p>
+          </p:txBody>
+        </p:sp>
+      </p:grpSp>
+    </p:spTree>
+    <p:extLst>
+      <p:ext uri="{BB962C8B-B14F-4D97-AF65-F5344CB8AC3E}">
+        <p14:creationId xmlns:p14="http://schemas.microsoft.com/office/powerpoint/2010/main" val="961498929"/>
       </p:ext>
     </p:extLst>
   </p:cSld>
